--- a/doc/media/flip_zuehlke_praesentation.pptx
+++ b/doc/media/flip_zuehlke_praesentation.pptx
@@ -5,7 +5,7 @@
     <p:sldMasterId id="2147483684" r:id="rId1"/>
   </p:sldMasterIdLst>
   <p:notesMasterIdLst>
-    <p:notesMasterId r:id="rId17"/>
+    <p:notesMasterId r:id="rId18"/>
   </p:notesMasterIdLst>
   <p:sldIdLst>
     <p:sldId id="256" r:id="rId2"/>
@@ -17,12 +17,13 @@
     <p:sldId id="267" r:id="rId8"/>
     <p:sldId id="259" r:id="rId9"/>
     <p:sldId id="260" r:id="rId10"/>
-    <p:sldId id="266" r:id="rId11"/>
-    <p:sldId id="263" r:id="rId12"/>
-    <p:sldId id="265" r:id="rId13"/>
-    <p:sldId id="269" r:id="rId14"/>
-    <p:sldId id="268" r:id="rId15"/>
-    <p:sldId id="261" r:id="rId16"/>
+    <p:sldId id="272" r:id="rId11"/>
+    <p:sldId id="266" r:id="rId12"/>
+    <p:sldId id="263" r:id="rId13"/>
+    <p:sldId id="265" r:id="rId14"/>
+    <p:sldId id="269" r:id="rId15"/>
+    <p:sldId id="268" r:id="rId16"/>
+    <p:sldId id="261" r:id="rId17"/>
   </p:sldIdLst>
   <p:sldSz cx="9144000" cy="6858000" type="screen4x3"/>
   <p:notesSz cx="6858000" cy="9144000"/>
@@ -5340,7 +5341,14 @@
           <a:bodyPr/>
           <a:lstStyle/>
           <a:p>
-            <a:endParaRPr lang="de-CH"/>
+            <a:r>
+              <a:rPr lang="de-CH" dirty="0" smtClean="0"/>
+              <a:t>MVVM</a:t>
+            </a:r>
+            <a:endParaRPr lang="de-CH" dirty="0"/>
+          </a:p>
+          <a:p>
+            <a:endParaRPr lang="de-CH" dirty="0"/>
           </a:p>
         </p:txBody>
       </p:sp>
@@ -5356,22 +5364,12 @@
         </p:nvSpPr>
         <p:spPr/>
         <p:txBody>
-          <a:bodyPr>
-            <a:normAutofit fontScale="90000"/>
-          </a:bodyPr>
+          <a:bodyPr/>
           <a:lstStyle/>
           <a:p>
             <a:r>
-              <a:rPr lang="de-CH" dirty="0"/>
-              <a:t>Realisierung: </a:t>
-            </a:r>
-            <a:r>
-              <a:rPr lang="de-CH" dirty="0" err="1" smtClean="0"/>
-              <a:t>Personas</a:t>
-            </a:r>
-            <a:r>
               <a:rPr lang="de-CH" dirty="0" smtClean="0"/>
-              <a:t> und Szenarien</a:t>
+              <a:t>Realisierung: Architektur</a:t>
             </a:r>
             <a:endParaRPr lang="de-CH" dirty="0"/>
           </a:p>
@@ -5380,20 +5378,13 @@
     </p:spTree>
     <p:extLst>
       <p:ext uri="{BB962C8B-B14F-4D97-AF65-F5344CB8AC3E}">
-        <p14:creationId xmlns:p14="http://schemas.microsoft.com/office/powerpoint/2010/main" val="3139077536"/>
+        <p14:creationId xmlns:p14="http://schemas.microsoft.com/office/powerpoint/2010/main" val="2934943610"/>
       </p:ext>
     </p:extLst>
   </p:cSld>
   <p:clrMapOvr>
     <a:masterClrMapping/>
   </p:clrMapOvr>
-  <p:timing>
-    <p:tnLst>
-      <p:par>
-        <p:cTn id="1" dur="indefinite" restart="never" nodeType="tmRoot"/>
-      </p:par>
-    </p:tnLst>
-  </p:timing>
 </p:sld>
 </file>
 
@@ -5445,7 +5436,9 @@
         </p:nvSpPr>
         <p:spPr/>
         <p:txBody>
-          <a:bodyPr/>
+          <a:bodyPr>
+            <a:normAutofit fontScale="90000"/>
+          </a:bodyPr>
           <a:lstStyle/>
           <a:p>
             <a:r>
@@ -5453,8 +5446,12 @@
               <a:t>Realisierung: </a:t>
             </a:r>
             <a:r>
+              <a:rPr lang="de-CH" dirty="0" err="1" smtClean="0"/>
+              <a:t>Personas</a:t>
+            </a:r>
+            <a:r>
               <a:rPr lang="de-CH" dirty="0" smtClean="0"/>
-              <a:t>Papier Prototyp</a:t>
+              <a:t> und Szenarien</a:t>
             </a:r>
             <a:endParaRPr lang="de-CH" dirty="0"/>
           </a:p>
@@ -5463,7 +5460,7 @@
     </p:spTree>
     <p:extLst>
       <p:ext uri="{BB962C8B-B14F-4D97-AF65-F5344CB8AC3E}">
-        <p14:creationId xmlns:p14="http://schemas.microsoft.com/office/powerpoint/2010/main" val="3476746784"/>
+        <p14:creationId xmlns:p14="http://schemas.microsoft.com/office/powerpoint/2010/main" val="3139077536"/>
       </p:ext>
     </p:extLst>
   </p:cSld>
@@ -5512,11 +5509,7 @@
           <a:bodyPr/>
           <a:lstStyle/>
           <a:p>
-            <a:r>
-              <a:rPr lang="de-CH" dirty="0" smtClean="0"/>
-              <a:t>Was für Probleme sind aufgetreten?</a:t>
-            </a:r>
-            <a:endParaRPr lang="de-CH" dirty="0"/>
+            <a:endParaRPr lang="de-CH"/>
           </a:p>
         </p:txBody>
       </p:sp>
@@ -5532,9 +5525,7 @@
         </p:nvSpPr>
         <p:spPr/>
         <p:txBody>
-          <a:bodyPr>
-            <a:normAutofit fontScale="90000"/>
-          </a:bodyPr>
+          <a:bodyPr/>
           <a:lstStyle/>
           <a:p>
             <a:r>
@@ -5543,7 +5534,7 @@
             </a:r>
             <a:r>
               <a:rPr lang="de-CH" dirty="0" smtClean="0"/>
-              <a:t>Herausforderungen</a:t>
+              <a:t>Papier Prototyp</a:t>
             </a:r>
             <a:endParaRPr lang="de-CH" dirty="0"/>
           </a:p>
@@ -5552,7 +5543,7 @@
     </p:spTree>
     <p:extLst>
       <p:ext uri="{BB962C8B-B14F-4D97-AF65-F5344CB8AC3E}">
-        <p14:creationId xmlns:p14="http://schemas.microsoft.com/office/powerpoint/2010/main" val="2800523670"/>
+        <p14:creationId xmlns:p14="http://schemas.microsoft.com/office/powerpoint/2010/main" val="3476746784"/>
       </p:ext>
     </p:extLst>
   </p:cSld>
@@ -5601,7 +5592,11 @@
           <a:bodyPr/>
           <a:lstStyle/>
           <a:p>
-            <a:endParaRPr lang="de-CH"/>
+            <a:r>
+              <a:rPr lang="de-CH" dirty="0" smtClean="0"/>
+              <a:t>Was für Probleme sind aufgetreten?</a:t>
+            </a:r>
+            <a:endParaRPr lang="de-CH" dirty="0"/>
           </a:p>
         </p:txBody>
       </p:sp>
@@ -5618,17 +5613,17 @@
         <p:spPr/>
         <p:txBody>
           <a:bodyPr>
-            <a:normAutofit/>
+            <a:normAutofit fontScale="90000"/>
           </a:bodyPr>
           <a:lstStyle/>
           <a:p>
             <a:r>
               <a:rPr lang="de-CH" dirty="0"/>
-              <a:t>Machbarkeitsstudie: 3D </a:t>
+              <a:t>Realisierung: </a:t>
             </a:r>
             <a:r>
               <a:rPr lang="de-CH" dirty="0" smtClean="0"/>
-              <a:t>Panel</a:t>
+              <a:t>Herausforderungen</a:t>
             </a:r>
             <a:endParaRPr lang="de-CH" dirty="0"/>
           </a:p>
@@ -5637,7 +5632,7 @@
     </p:spTree>
     <p:extLst>
       <p:ext uri="{BB962C8B-B14F-4D97-AF65-F5344CB8AC3E}">
-        <p14:creationId xmlns:p14="http://schemas.microsoft.com/office/powerpoint/2010/main" val="529273329"/>
+        <p14:creationId xmlns:p14="http://schemas.microsoft.com/office/powerpoint/2010/main" val="2800523670"/>
       </p:ext>
     </p:extLst>
   </p:cSld>
@@ -5702,6 +5697,91 @@
         </p:nvSpPr>
         <p:spPr/>
         <p:txBody>
+          <a:bodyPr>
+            <a:normAutofit/>
+          </a:bodyPr>
+          <a:lstStyle/>
+          <a:p>
+            <a:r>
+              <a:rPr lang="de-CH" dirty="0"/>
+              <a:t>Machbarkeitsstudie: 3D </a:t>
+            </a:r>
+            <a:r>
+              <a:rPr lang="de-CH" dirty="0" smtClean="0"/>
+              <a:t>Panel</a:t>
+            </a:r>
+            <a:endParaRPr lang="de-CH" dirty="0"/>
+          </a:p>
+        </p:txBody>
+      </p:sp>
+    </p:spTree>
+    <p:extLst>
+      <p:ext uri="{BB962C8B-B14F-4D97-AF65-F5344CB8AC3E}">
+        <p14:creationId xmlns:p14="http://schemas.microsoft.com/office/powerpoint/2010/main" val="529273329"/>
+      </p:ext>
+    </p:extLst>
+  </p:cSld>
+  <p:clrMapOvr>
+    <a:masterClrMapping/>
+  </p:clrMapOvr>
+  <p:timing>
+    <p:tnLst>
+      <p:par>
+        <p:cTn id="1" dur="indefinite" restart="never" nodeType="tmRoot"/>
+      </p:par>
+    </p:tnLst>
+  </p:timing>
+</p:sld>
+</file>
+
+<file path=ppt/slides/slide15.xml><?xml version="1.0" encoding="utf-8"?>
+<p:sld xmlns:a="http://schemas.openxmlformats.org/drawingml/2006/main" xmlns:r="http://schemas.openxmlformats.org/officeDocument/2006/relationships" xmlns:p="http://schemas.openxmlformats.org/presentationml/2006/main">
+  <p:cSld>
+    <p:spTree>
+      <p:nvGrpSpPr>
+        <p:cNvPr id="1" name=""/>
+        <p:cNvGrpSpPr/>
+        <p:nvPr/>
+      </p:nvGrpSpPr>
+      <p:grpSpPr>
+        <a:xfrm>
+          <a:off x="0" y="0"/>
+          <a:ext cx="0" cy="0"/>
+          <a:chOff x="0" y="0"/>
+          <a:chExt cx="0" cy="0"/>
+        </a:xfrm>
+      </p:grpSpPr>
+      <p:sp>
+        <p:nvSpPr>
+          <p:cNvPr id="2" name="Inhaltsplatzhalter 1"/>
+          <p:cNvSpPr>
+            <a:spLocks noGrp="1"/>
+          </p:cNvSpPr>
+          <p:nvPr>
+            <p:ph idx="1"/>
+          </p:nvPr>
+        </p:nvSpPr>
+        <p:spPr/>
+        <p:txBody>
+          <a:bodyPr/>
+          <a:lstStyle/>
+          <a:p>
+            <a:endParaRPr lang="de-CH"/>
+          </a:p>
+        </p:txBody>
+      </p:sp>
+      <p:sp>
+        <p:nvSpPr>
+          <p:cNvPr id="3" name="Titel 2"/>
+          <p:cNvSpPr>
+            <a:spLocks noGrp="1"/>
+          </p:cNvSpPr>
+          <p:nvPr>
+            <p:ph type="title"/>
+          </p:nvPr>
+        </p:nvSpPr>
+        <p:spPr/>
+        <p:txBody>
           <a:bodyPr/>
           <a:lstStyle/>
           <a:p>
@@ -5733,7 +5813,7 @@
 </p:sld>
 </file>
 
-<file path=ppt/slides/slide15.xml><?xml version="1.0" encoding="utf-8"?>
+<file path=ppt/slides/slide16.xml><?xml version="1.0" encoding="utf-8"?>
 <p:sld xmlns:a="http://schemas.openxmlformats.org/drawingml/2006/main" xmlns:r="http://schemas.openxmlformats.org/officeDocument/2006/relationships" xmlns:p="http://schemas.openxmlformats.org/presentationml/2006/main">
   <p:cSld>
     <p:spTree>
@@ -7305,13 +7385,39 @@
             <a:pPr lvl="1"/>
             <a:r>
               <a:rPr lang="de-CH" dirty="0" smtClean="0"/>
-              <a:t>Keine Bedienungsanleitung</a:t>
-            </a:r>
-          </a:p>
-          <a:p>
+              <a:t>Keine </a:t>
+            </a:r>
             <a:r>
               <a:rPr lang="de-CH" dirty="0" smtClean="0"/>
-              <a:t>Neue Technologie =&gt; Architekturprototyp</a:t>
+              <a:t>Bedienungsanleitung</a:t>
+            </a:r>
+          </a:p>
+          <a:p>
+            <a:pPr lvl="1"/>
+            <a:r>
+              <a:rPr lang="de-CH" dirty="0" err="1" smtClean="0"/>
+              <a:t>Usability</a:t>
+            </a:r>
+            <a:r>
+              <a:rPr lang="de-CH" dirty="0" smtClean="0"/>
+              <a:t> Tests</a:t>
+            </a:r>
+            <a:endParaRPr lang="de-CH" dirty="0" smtClean="0"/>
+          </a:p>
+          <a:p>
+            <a:r>
+              <a:rPr lang="de-CH" dirty="0" smtClean="0"/>
+              <a:t>Neue Technologie =&gt; </a:t>
+            </a:r>
+            <a:r>
+              <a:rPr lang="de-CH" dirty="0" smtClean="0"/>
+              <a:t>Architekturprototyp</a:t>
+            </a:r>
+          </a:p>
+          <a:p>
+            <a:r>
+              <a:rPr lang="de-CH" dirty="0" smtClean="0"/>
+              <a:t>Unit Tests</a:t>
             </a:r>
             <a:endParaRPr lang="de-CH" dirty="0"/>
           </a:p>
@@ -7404,8 +7510,13 @@
             </a:r>
             <a:r>
               <a:rPr lang="de-CH" dirty="0" smtClean="0"/>
-              <a:t> 2 von Microsoft</a:t>
-            </a:r>
+              <a:t> </a:t>
+            </a:r>
+            <a:r>
+              <a:rPr lang="de-CH" dirty="0" smtClean="0"/>
+              <a:t>2</a:t>
+            </a:r>
+            <a:endParaRPr lang="de-CH" dirty="0" smtClean="0"/>
           </a:p>
           <a:p>
             <a:pPr lvl="1"/>
@@ -7416,21 +7527,56 @@
             <a:endParaRPr lang="de-CH" dirty="0" smtClean="0"/>
           </a:p>
           <a:p>
+            <a:pPr lvl="1"/>
+            <a:r>
+              <a:rPr lang="de-CH" dirty="0" smtClean="0"/>
+              <a:t>Objekt Erkennung (z.B. Visitenkarte)</a:t>
+            </a:r>
+            <a:endParaRPr lang="de-CH" dirty="0" smtClean="0"/>
+          </a:p>
+          <a:p>
             <a:r>
               <a:rPr lang="de-CH" dirty="0" err="1" smtClean="0"/>
               <a:t>Ticketing</a:t>
             </a:r>
             <a:r>
               <a:rPr lang="de-CH" dirty="0" smtClean="0"/>
-              <a:t> System</a:t>
-            </a:r>
-          </a:p>
-          <a:p>
+              <a:t> System (</a:t>
+            </a:r>
+            <a:r>
+              <a:rPr lang="de-CH" dirty="0" err="1" smtClean="0"/>
+              <a:t>Redmine</a:t>
+            </a:r>
             <a:r>
               <a:rPr lang="de-CH" dirty="0" smtClean="0"/>
-              <a:t>Visual Studio</a:t>
-            </a:r>
-            <a:endParaRPr lang="de-CH" dirty="0"/>
+              <a:t>)</a:t>
+            </a:r>
+          </a:p>
+          <a:p>
+            <a:r>
+              <a:rPr lang="de-CH" dirty="0" err="1" smtClean="0"/>
+              <a:t>Versionierung</a:t>
+            </a:r>
+            <a:r>
+              <a:rPr lang="de-CH" dirty="0" smtClean="0"/>
+              <a:t> (SVN)</a:t>
+            </a:r>
+          </a:p>
+          <a:p>
+            <a:r>
+              <a:rPr lang="de-CH" dirty="0"/>
+              <a:t>Visual </a:t>
+            </a:r>
+            <a:r>
+              <a:rPr lang="de-CH" dirty="0" smtClean="0"/>
+              <a:t>Studio</a:t>
+            </a:r>
+          </a:p>
+          <a:p>
+            <a:r>
+              <a:rPr lang="de-CH" dirty="0"/>
+              <a:t>WPF</a:t>
+            </a:r>
           </a:p>
         </p:txBody>
       </p:sp>

--- a/doc/media/flip_zuehlke_praesentation.pptx
+++ b/doc/media/flip_zuehlke_praesentation.pptx
@@ -5,7 +5,7 @@
     <p:sldMasterId id="2147483684" r:id="rId1"/>
   </p:sldMasterIdLst>
   <p:notesMasterIdLst>
-    <p:notesMasterId r:id="rId18"/>
+    <p:notesMasterId r:id="rId27"/>
   </p:notesMasterIdLst>
   <p:sldIdLst>
     <p:sldId id="256" r:id="rId2"/>
@@ -19,11 +19,20 @@
     <p:sldId id="260" r:id="rId10"/>
     <p:sldId id="272" r:id="rId11"/>
     <p:sldId id="266" r:id="rId12"/>
-    <p:sldId id="263" r:id="rId13"/>
-    <p:sldId id="265" r:id="rId14"/>
-    <p:sldId id="269" r:id="rId15"/>
-    <p:sldId id="268" r:id="rId16"/>
-    <p:sldId id="261" r:id="rId17"/>
+    <p:sldId id="273" r:id="rId13"/>
+    <p:sldId id="263" r:id="rId14"/>
+    <p:sldId id="274" r:id="rId15"/>
+    <p:sldId id="276" r:id="rId16"/>
+    <p:sldId id="275" r:id="rId17"/>
+    <p:sldId id="277" r:id="rId18"/>
+    <p:sldId id="278" r:id="rId19"/>
+    <p:sldId id="265" r:id="rId20"/>
+    <p:sldId id="280" r:id="rId21"/>
+    <p:sldId id="269" r:id="rId22"/>
+    <p:sldId id="279" r:id="rId23"/>
+    <p:sldId id="268" r:id="rId24"/>
+    <p:sldId id="261" r:id="rId25"/>
+    <p:sldId id="281" r:id="rId26"/>
   </p:sldIdLst>
   <p:sldSz cx="9144000" cy="6858000" type="screen4x3"/>
   <p:notesSz cx="6858000" cy="9144000"/>
@@ -519,6 +528,1698 @@
           <a:bodyPr/>
           <a:lstStyle/>
           <a:p>
+            <a:r>
+              <a:rPr lang="de-CH" dirty="0" smtClean="0"/>
+              <a:t>Delia</a:t>
+            </a:r>
+            <a:endParaRPr lang="de-CH" dirty="0"/>
+          </a:p>
+        </p:txBody>
+      </p:sp>
+      <p:sp>
+        <p:nvSpPr>
+          <p:cNvPr id="4" name="Foliennummernplatzhalter 3"/>
+          <p:cNvSpPr>
+            <a:spLocks noGrp="1"/>
+          </p:cNvSpPr>
+          <p:nvPr>
+            <p:ph type="sldNum" sz="quarter" idx="10"/>
+          </p:nvPr>
+        </p:nvSpPr>
+        <p:spPr/>
+        <p:txBody>
+          <a:bodyPr/>
+          <a:lstStyle/>
+          <a:p>
+            <a:fld id="{9606ABDA-ACBF-426E-A242-59333FDAF8AF}" type="slidenum">
+              <a:rPr lang="de-CH" smtClean="0"/>
+              <a:t>1</a:t>
+            </a:fld>
+            <a:endParaRPr lang="de-CH"/>
+          </a:p>
+        </p:txBody>
+      </p:sp>
+    </p:spTree>
+    <p:extLst>
+      <p:ext uri="{BB962C8B-B14F-4D97-AF65-F5344CB8AC3E}">
+        <p14:creationId xmlns:p14="http://schemas.microsoft.com/office/powerpoint/2010/main" val="3799980708"/>
+      </p:ext>
+    </p:extLst>
+  </p:cSld>
+  <p:clrMapOvr>
+    <a:masterClrMapping/>
+  </p:clrMapOvr>
+</p:notes>
+</file>
+
+<file path=ppt/notesSlides/notesSlide10.xml><?xml version="1.0" encoding="utf-8"?>
+<p:notes xmlns:a="http://schemas.openxmlformats.org/drawingml/2006/main" xmlns:r="http://schemas.openxmlformats.org/officeDocument/2006/relationships" xmlns:p="http://schemas.openxmlformats.org/presentationml/2006/main">
+  <p:cSld>
+    <p:spTree>
+      <p:nvGrpSpPr>
+        <p:cNvPr id="1" name=""/>
+        <p:cNvGrpSpPr/>
+        <p:nvPr/>
+      </p:nvGrpSpPr>
+      <p:grpSpPr>
+        <a:xfrm>
+          <a:off x="0" y="0"/>
+          <a:ext cx="0" cy="0"/>
+          <a:chOff x="0" y="0"/>
+          <a:chExt cx="0" cy="0"/>
+        </a:xfrm>
+      </p:grpSpPr>
+      <p:sp>
+        <p:nvSpPr>
+          <p:cNvPr id="2" name="Folienbildplatzhalter 1"/>
+          <p:cNvSpPr>
+            <a:spLocks noGrp="1" noRot="1" noChangeAspect="1"/>
+          </p:cNvSpPr>
+          <p:nvPr>
+            <p:ph type="sldImg"/>
+          </p:nvPr>
+        </p:nvSpPr>
+        <p:spPr/>
+      </p:sp>
+      <p:sp>
+        <p:nvSpPr>
+          <p:cNvPr id="3" name="Notizenplatzhalter 2"/>
+          <p:cNvSpPr>
+            <a:spLocks noGrp="1"/>
+          </p:cNvSpPr>
+          <p:nvPr>
+            <p:ph type="body" idx="1"/>
+          </p:nvPr>
+        </p:nvSpPr>
+        <p:spPr/>
+        <p:txBody>
+          <a:bodyPr/>
+          <a:lstStyle/>
+          <a:p>
+            <a:r>
+              <a:rPr lang="de-CH" dirty="0" smtClean="0"/>
+              <a:t>Lukas</a:t>
+            </a:r>
+            <a:endParaRPr lang="de-CH" dirty="0"/>
+          </a:p>
+        </p:txBody>
+      </p:sp>
+      <p:sp>
+        <p:nvSpPr>
+          <p:cNvPr id="4" name="Foliennummernplatzhalter 3"/>
+          <p:cNvSpPr>
+            <a:spLocks noGrp="1"/>
+          </p:cNvSpPr>
+          <p:nvPr>
+            <p:ph type="sldNum" sz="quarter" idx="10"/>
+          </p:nvPr>
+        </p:nvSpPr>
+        <p:spPr/>
+        <p:txBody>
+          <a:bodyPr/>
+          <a:lstStyle/>
+          <a:p>
+            <a:fld id="{9606ABDA-ACBF-426E-A242-59333FDAF8AF}" type="slidenum">
+              <a:rPr lang="de-CH" smtClean="0"/>
+              <a:t>10</a:t>
+            </a:fld>
+            <a:endParaRPr lang="de-CH"/>
+          </a:p>
+        </p:txBody>
+      </p:sp>
+    </p:spTree>
+    <p:extLst>
+      <p:ext uri="{BB962C8B-B14F-4D97-AF65-F5344CB8AC3E}">
+        <p14:creationId xmlns:p14="http://schemas.microsoft.com/office/powerpoint/2010/main" val="427878429"/>
+      </p:ext>
+    </p:extLst>
+  </p:cSld>
+  <p:clrMapOvr>
+    <a:masterClrMapping/>
+  </p:clrMapOvr>
+</p:notes>
+</file>
+
+<file path=ppt/notesSlides/notesSlide11.xml><?xml version="1.0" encoding="utf-8"?>
+<p:notes xmlns:a="http://schemas.openxmlformats.org/drawingml/2006/main" xmlns:r="http://schemas.openxmlformats.org/officeDocument/2006/relationships" xmlns:p="http://schemas.openxmlformats.org/presentationml/2006/main">
+  <p:cSld>
+    <p:spTree>
+      <p:nvGrpSpPr>
+        <p:cNvPr id="1" name=""/>
+        <p:cNvGrpSpPr/>
+        <p:nvPr/>
+      </p:nvGrpSpPr>
+      <p:grpSpPr>
+        <a:xfrm>
+          <a:off x="0" y="0"/>
+          <a:ext cx="0" cy="0"/>
+          <a:chOff x="0" y="0"/>
+          <a:chExt cx="0" cy="0"/>
+        </a:xfrm>
+      </p:grpSpPr>
+      <p:sp>
+        <p:nvSpPr>
+          <p:cNvPr id="2" name="Folienbildplatzhalter 1"/>
+          <p:cNvSpPr>
+            <a:spLocks noGrp="1" noRot="1" noChangeAspect="1"/>
+          </p:cNvSpPr>
+          <p:nvPr>
+            <p:ph type="sldImg"/>
+          </p:nvPr>
+        </p:nvSpPr>
+        <p:spPr/>
+      </p:sp>
+      <p:sp>
+        <p:nvSpPr>
+          <p:cNvPr id="3" name="Notizenplatzhalter 2"/>
+          <p:cNvSpPr>
+            <a:spLocks noGrp="1"/>
+          </p:cNvSpPr>
+          <p:nvPr>
+            <p:ph type="body" idx="1"/>
+          </p:nvPr>
+        </p:nvSpPr>
+        <p:spPr/>
+        <p:txBody>
+          <a:bodyPr/>
+          <a:lstStyle/>
+          <a:p>
+            <a:r>
+              <a:rPr lang="de-CH" dirty="0" smtClean="0"/>
+              <a:t>Christina</a:t>
+            </a:r>
+            <a:endParaRPr lang="de-CH" dirty="0"/>
+          </a:p>
+        </p:txBody>
+      </p:sp>
+      <p:sp>
+        <p:nvSpPr>
+          <p:cNvPr id="4" name="Foliennummernplatzhalter 3"/>
+          <p:cNvSpPr>
+            <a:spLocks noGrp="1"/>
+          </p:cNvSpPr>
+          <p:nvPr>
+            <p:ph type="sldNum" sz="quarter" idx="10"/>
+          </p:nvPr>
+        </p:nvSpPr>
+        <p:spPr/>
+        <p:txBody>
+          <a:bodyPr/>
+          <a:lstStyle/>
+          <a:p>
+            <a:fld id="{9606ABDA-ACBF-426E-A242-59333FDAF8AF}" type="slidenum">
+              <a:rPr lang="de-CH" smtClean="0"/>
+              <a:t>11</a:t>
+            </a:fld>
+            <a:endParaRPr lang="de-CH"/>
+          </a:p>
+        </p:txBody>
+      </p:sp>
+    </p:spTree>
+    <p:extLst>
+      <p:ext uri="{BB962C8B-B14F-4D97-AF65-F5344CB8AC3E}">
+        <p14:creationId xmlns:p14="http://schemas.microsoft.com/office/powerpoint/2010/main" val="2583356705"/>
+      </p:ext>
+    </p:extLst>
+  </p:cSld>
+  <p:clrMapOvr>
+    <a:masterClrMapping/>
+  </p:clrMapOvr>
+</p:notes>
+</file>
+
+<file path=ppt/notesSlides/notesSlide12.xml><?xml version="1.0" encoding="utf-8"?>
+<p:notes xmlns:a="http://schemas.openxmlformats.org/drawingml/2006/main" xmlns:r="http://schemas.openxmlformats.org/officeDocument/2006/relationships" xmlns:p="http://schemas.openxmlformats.org/presentationml/2006/main">
+  <p:cSld>
+    <p:spTree>
+      <p:nvGrpSpPr>
+        <p:cNvPr id="1" name=""/>
+        <p:cNvGrpSpPr/>
+        <p:nvPr/>
+      </p:nvGrpSpPr>
+      <p:grpSpPr>
+        <a:xfrm>
+          <a:off x="0" y="0"/>
+          <a:ext cx="0" cy="0"/>
+          <a:chOff x="0" y="0"/>
+          <a:chExt cx="0" cy="0"/>
+        </a:xfrm>
+      </p:grpSpPr>
+      <p:sp>
+        <p:nvSpPr>
+          <p:cNvPr id="2" name="Folienbildplatzhalter 1"/>
+          <p:cNvSpPr>
+            <a:spLocks noGrp="1" noRot="1" noChangeAspect="1"/>
+          </p:cNvSpPr>
+          <p:nvPr>
+            <p:ph type="sldImg"/>
+          </p:nvPr>
+        </p:nvSpPr>
+        <p:spPr/>
+      </p:sp>
+      <p:sp>
+        <p:nvSpPr>
+          <p:cNvPr id="3" name="Notizenplatzhalter 2"/>
+          <p:cNvSpPr>
+            <a:spLocks noGrp="1"/>
+          </p:cNvSpPr>
+          <p:nvPr>
+            <p:ph type="body" idx="1"/>
+          </p:nvPr>
+        </p:nvSpPr>
+        <p:spPr/>
+        <p:txBody>
+          <a:bodyPr/>
+          <a:lstStyle/>
+          <a:p>
+            <a:r>
+              <a:rPr lang="de-CH" dirty="0" smtClean="0"/>
+              <a:t>Christina</a:t>
+            </a:r>
+            <a:endParaRPr lang="de-CH" dirty="0"/>
+          </a:p>
+        </p:txBody>
+      </p:sp>
+      <p:sp>
+        <p:nvSpPr>
+          <p:cNvPr id="4" name="Foliennummernplatzhalter 3"/>
+          <p:cNvSpPr>
+            <a:spLocks noGrp="1"/>
+          </p:cNvSpPr>
+          <p:nvPr>
+            <p:ph type="sldNum" sz="quarter" idx="10"/>
+          </p:nvPr>
+        </p:nvSpPr>
+        <p:spPr/>
+        <p:txBody>
+          <a:bodyPr/>
+          <a:lstStyle/>
+          <a:p>
+            <a:fld id="{9606ABDA-ACBF-426E-A242-59333FDAF8AF}" type="slidenum">
+              <a:rPr lang="de-CH" smtClean="0"/>
+              <a:t>12</a:t>
+            </a:fld>
+            <a:endParaRPr lang="de-CH"/>
+          </a:p>
+        </p:txBody>
+      </p:sp>
+    </p:spTree>
+    <p:extLst>
+      <p:ext uri="{BB962C8B-B14F-4D97-AF65-F5344CB8AC3E}">
+        <p14:creationId xmlns:p14="http://schemas.microsoft.com/office/powerpoint/2010/main" val="651469941"/>
+      </p:ext>
+    </p:extLst>
+  </p:cSld>
+  <p:clrMapOvr>
+    <a:masterClrMapping/>
+  </p:clrMapOvr>
+</p:notes>
+</file>
+
+<file path=ppt/notesSlides/notesSlide13.xml><?xml version="1.0" encoding="utf-8"?>
+<p:notes xmlns:a="http://schemas.openxmlformats.org/drawingml/2006/main" xmlns:r="http://schemas.openxmlformats.org/officeDocument/2006/relationships" xmlns:p="http://schemas.openxmlformats.org/presentationml/2006/main">
+  <p:cSld>
+    <p:spTree>
+      <p:nvGrpSpPr>
+        <p:cNvPr id="1" name=""/>
+        <p:cNvGrpSpPr/>
+        <p:nvPr/>
+      </p:nvGrpSpPr>
+      <p:grpSpPr>
+        <a:xfrm>
+          <a:off x="0" y="0"/>
+          <a:ext cx="0" cy="0"/>
+          <a:chOff x="0" y="0"/>
+          <a:chExt cx="0" cy="0"/>
+        </a:xfrm>
+      </p:grpSpPr>
+      <p:sp>
+        <p:nvSpPr>
+          <p:cNvPr id="2" name="Folienbildplatzhalter 1"/>
+          <p:cNvSpPr>
+            <a:spLocks noGrp="1" noRot="1" noChangeAspect="1"/>
+          </p:cNvSpPr>
+          <p:nvPr>
+            <p:ph type="sldImg"/>
+          </p:nvPr>
+        </p:nvSpPr>
+        <p:spPr/>
+      </p:sp>
+      <p:sp>
+        <p:nvSpPr>
+          <p:cNvPr id="3" name="Notizenplatzhalter 2"/>
+          <p:cNvSpPr>
+            <a:spLocks noGrp="1"/>
+          </p:cNvSpPr>
+          <p:nvPr>
+            <p:ph type="body" idx="1"/>
+          </p:nvPr>
+        </p:nvSpPr>
+        <p:spPr/>
+        <p:txBody>
+          <a:bodyPr/>
+          <a:lstStyle/>
+          <a:p>
+            <a:pPr marL="0" marR="0" indent="0" algn="l" defTabSz="914400" rtl="0" eaLnBrk="1" fontAlgn="auto" latinLnBrk="0" hangingPunct="1">
+              <a:lnSpc>
+                <a:spcPct val="100000"/>
+              </a:lnSpc>
+              <a:spcBef>
+                <a:spcPts val="0"/>
+              </a:spcBef>
+              <a:spcAft>
+                <a:spcPts val="0"/>
+              </a:spcAft>
+              <a:buClrTx/>
+              <a:buSzTx/>
+              <a:buFontTx/>
+              <a:buNone/>
+              <a:tabLst/>
+              <a:defRPr/>
+            </a:pPr>
+            <a:r>
+              <a:rPr lang="de-CH" dirty="0" smtClean="0"/>
+              <a:t>Christina</a:t>
+            </a:r>
+          </a:p>
+        </p:txBody>
+      </p:sp>
+      <p:sp>
+        <p:nvSpPr>
+          <p:cNvPr id="4" name="Foliennummernplatzhalter 3"/>
+          <p:cNvSpPr>
+            <a:spLocks noGrp="1"/>
+          </p:cNvSpPr>
+          <p:nvPr>
+            <p:ph type="sldNum" sz="quarter" idx="10"/>
+          </p:nvPr>
+        </p:nvSpPr>
+        <p:spPr/>
+        <p:txBody>
+          <a:bodyPr/>
+          <a:lstStyle/>
+          <a:p>
+            <a:fld id="{9606ABDA-ACBF-426E-A242-59333FDAF8AF}" type="slidenum">
+              <a:rPr lang="de-CH" smtClean="0"/>
+              <a:t>13</a:t>
+            </a:fld>
+            <a:endParaRPr lang="de-CH"/>
+          </a:p>
+        </p:txBody>
+      </p:sp>
+    </p:spTree>
+    <p:extLst>
+      <p:ext uri="{BB962C8B-B14F-4D97-AF65-F5344CB8AC3E}">
+        <p14:creationId xmlns:p14="http://schemas.microsoft.com/office/powerpoint/2010/main" val="826156419"/>
+      </p:ext>
+    </p:extLst>
+  </p:cSld>
+  <p:clrMapOvr>
+    <a:masterClrMapping/>
+  </p:clrMapOvr>
+</p:notes>
+</file>
+
+<file path=ppt/notesSlides/notesSlide14.xml><?xml version="1.0" encoding="utf-8"?>
+<p:notes xmlns:a="http://schemas.openxmlformats.org/drawingml/2006/main" xmlns:r="http://schemas.openxmlformats.org/officeDocument/2006/relationships" xmlns:p="http://schemas.openxmlformats.org/presentationml/2006/main">
+  <p:cSld>
+    <p:spTree>
+      <p:nvGrpSpPr>
+        <p:cNvPr id="1" name=""/>
+        <p:cNvGrpSpPr/>
+        <p:nvPr/>
+      </p:nvGrpSpPr>
+      <p:grpSpPr>
+        <a:xfrm>
+          <a:off x="0" y="0"/>
+          <a:ext cx="0" cy="0"/>
+          <a:chOff x="0" y="0"/>
+          <a:chExt cx="0" cy="0"/>
+        </a:xfrm>
+      </p:grpSpPr>
+      <p:sp>
+        <p:nvSpPr>
+          <p:cNvPr id="2" name="Folienbildplatzhalter 1"/>
+          <p:cNvSpPr>
+            <a:spLocks noGrp="1" noRot="1" noChangeAspect="1"/>
+          </p:cNvSpPr>
+          <p:nvPr>
+            <p:ph type="sldImg"/>
+          </p:nvPr>
+        </p:nvSpPr>
+        <p:spPr/>
+      </p:sp>
+      <p:sp>
+        <p:nvSpPr>
+          <p:cNvPr id="3" name="Notizenplatzhalter 2"/>
+          <p:cNvSpPr>
+            <a:spLocks noGrp="1"/>
+          </p:cNvSpPr>
+          <p:nvPr>
+            <p:ph type="body" idx="1"/>
+          </p:nvPr>
+        </p:nvSpPr>
+        <p:spPr/>
+        <p:txBody>
+          <a:bodyPr/>
+          <a:lstStyle/>
+          <a:p>
+            <a:pPr marL="0" marR="0" indent="0" algn="l" defTabSz="914400" rtl="0" eaLnBrk="1" fontAlgn="auto" latinLnBrk="0" hangingPunct="1">
+              <a:lnSpc>
+                <a:spcPct val="100000"/>
+              </a:lnSpc>
+              <a:spcBef>
+                <a:spcPts val="0"/>
+              </a:spcBef>
+              <a:spcAft>
+                <a:spcPts val="0"/>
+              </a:spcAft>
+              <a:buClrTx/>
+              <a:buSzTx/>
+              <a:buFontTx/>
+              <a:buNone/>
+              <a:tabLst/>
+              <a:defRPr/>
+            </a:pPr>
+            <a:r>
+              <a:rPr lang="de-CH" dirty="0" smtClean="0"/>
+              <a:t>Christina</a:t>
+            </a:r>
+          </a:p>
+          <a:p>
+            <a:endParaRPr lang="de-CH" dirty="0"/>
+          </a:p>
+        </p:txBody>
+      </p:sp>
+      <p:sp>
+        <p:nvSpPr>
+          <p:cNvPr id="4" name="Foliennummernplatzhalter 3"/>
+          <p:cNvSpPr>
+            <a:spLocks noGrp="1"/>
+          </p:cNvSpPr>
+          <p:nvPr>
+            <p:ph type="sldNum" sz="quarter" idx="10"/>
+          </p:nvPr>
+        </p:nvSpPr>
+        <p:spPr/>
+        <p:txBody>
+          <a:bodyPr/>
+          <a:lstStyle/>
+          <a:p>
+            <a:fld id="{9606ABDA-ACBF-426E-A242-59333FDAF8AF}" type="slidenum">
+              <a:rPr lang="de-CH" smtClean="0"/>
+              <a:t>14</a:t>
+            </a:fld>
+            <a:endParaRPr lang="de-CH"/>
+          </a:p>
+        </p:txBody>
+      </p:sp>
+    </p:spTree>
+    <p:extLst>
+      <p:ext uri="{BB962C8B-B14F-4D97-AF65-F5344CB8AC3E}">
+        <p14:creationId xmlns:p14="http://schemas.microsoft.com/office/powerpoint/2010/main" val="1359758275"/>
+      </p:ext>
+    </p:extLst>
+  </p:cSld>
+  <p:clrMapOvr>
+    <a:masterClrMapping/>
+  </p:clrMapOvr>
+</p:notes>
+</file>
+
+<file path=ppt/notesSlides/notesSlide15.xml><?xml version="1.0" encoding="utf-8"?>
+<p:notes xmlns:a="http://schemas.openxmlformats.org/drawingml/2006/main" xmlns:r="http://schemas.openxmlformats.org/officeDocument/2006/relationships" xmlns:p="http://schemas.openxmlformats.org/presentationml/2006/main">
+  <p:cSld>
+    <p:spTree>
+      <p:nvGrpSpPr>
+        <p:cNvPr id="1" name=""/>
+        <p:cNvGrpSpPr/>
+        <p:nvPr/>
+      </p:nvGrpSpPr>
+      <p:grpSpPr>
+        <a:xfrm>
+          <a:off x="0" y="0"/>
+          <a:ext cx="0" cy="0"/>
+          <a:chOff x="0" y="0"/>
+          <a:chExt cx="0" cy="0"/>
+        </a:xfrm>
+      </p:grpSpPr>
+      <p:sp>
+        <p:nvSpPr>
+          <p:cNvPr id="2" name="Folienbildplatzhalter 1"/>
+          <p:cNvSpPr>
+            <a:spLocks noGrp="1" noRot="1" noChangeAspect="1"/>
+          </p:cNvSpPr>
+          <p:nvPr>
+            <p:ph type="sldImg"/>
+          </p:nvPr>
+        </p:nvSpPr>
+        <p:spPr/>
+      </p:sp>
+      <p:sp>
+        <p:nvSpPr>
+          <p:cNvPr id="3" name="Notizenplatzhalter 2"/>
+          <p:cNvSpPr>
+            <a:spLocks noGrp="1"/>
+          </p:cNvSpPr>
+          <p:nvPr>
+            <p:ph type="body" idx="1"/>
+          </p:nvPr>
+        </p:nvSpPr>
+        <p:spPr/>
+        <p:txBody>
+          <a:bodyPr/>
+          <a:lstStyle/>
+          <a:p>
+            <a:pPr marL="0" marR="0" indent="0" algn="l" defTabSz="914400" rtl="0" eaLnBrk="1" fontAlgn="auto" latinLnBrk="0" hangingPunct="1">
+              <a:lnSpc>
+                <a:spcPct val="100000"/>
+              </a:lnSpc>
+              <a:spcBef>
+                <a:spcPts val="0"/>
+              </a:spcBef>
+              <a:spcAft>
+                <a:spcPts val="0"/>
+              </a:spcAft>
+              <a:buClrTx/>
+              <a:buSzTx/>
+              <a:buFontTx/>
+              <a:buNone/>
+              <a:tabLst/>
+              <a:defRPr/>
+            </a:pPr>
+            <a:r>
+              <a:rPr lang="de-CH" dirty="0" smtClean="0"/>
+              <a:t>Christina</a:t>
+            </a:r>
+          </a:p>
+          <a:p>
+            <a:endParaRPr lang="de-CH" dirty="0"/>
+          </a:p>
+        </p:txBody>
+      </p:sp>
+      <p:sp>
+        <p:nvSpPr>
+          <p:cNvPr id="4" name="Foliennummernplatzhalter 3"/>
+          <p:cNvSpPr>
+            <a:spLocks noGrp="1"/>
+          </p:cNvSpPr>
+          <p:nvPr>
+            <p:ph type="sldNum" sz="quarter" idx="10"/>
+          </p:nvPr>
+        </p:nvSpPr>
+        <p:spPr/>
+        <p:txBody>
+          <a:bodyPr/>
+          <a:lstStyle/>
+          <a:p>
+            <a:fld id="{9606ABDA-ACBF-426E-A242-59333FDAF8AF}" type="slidenum">
+              <a:rPr lang="de-CH" smtClean="0"/>
+              <a:t>15</a:t>
+            </a:fld>
+            <a:endParaRPr lang="de-CH"/>
+          </a:p>
+        </p:txBody>
+      </p:sp>
+    </p:spTree>
+    <p:extLst>
+      <p:ext uri="{BB962C8B-B14F-4D97-AF65-F5344CB8AC3E}">
+        <p14:creationId xmlns:p14="http://schemas.microsoft.com/office/powerpoint/2010/main" val="815952175"/>
+      </p:ext>
+    </p:extLst>
+  </p:cSld>
+  <p:clrMapOvr>
+    <a:masterClrMapping/>
+  </p:clrMapOvr>
+</p:notes>
+</file>
+
+<file path=ppt/notesSlides/notesSlide16.xml><?xml version="1.0" encoding="utf-8"?>
+<p:notes xmlns:a="http://schemas.openxmlformats.org/drawingml/2006/main" xmlns:r="http://schemas.openxmlformats.org/officeDocument/2006/relationships" xmlns:p="http://schemas.openxmlformats.org/presentationml/2006/main">
+  <p:cSld>
+    <p:spTree>
+      <p:nvGrpSpPr>
+        <p:cNvPr id="1" name=""/>
+        <p:cNvGrpSpPr/>
+        <p:nvPr/>
+      </p:nvGrpSpPr>
+      <p:grpSpPr>
+        <a:xfrm>
+          <a:off x="0" y="0"/>
+          <a:ext cx="0" cy="0"/>
+          <a:chOff x="0" y="0"/>
+          <a:chExt cx="0" cy="0"/>
+        </a:xfrm>
+      </p:grpSpPr>
+      <p:sp>
+        <p:nvSpPr>
+          <p:cNvPr id="2" name="Folienbildplatzhalter 1"/>
+          <p:cNvSpPr>
+            <a:spLocks noGrp="1" noRot="1" noChangeAspect="1"/>
+          </p:cNvSpPr>
+          <p:nvPr>
+            <p:ph type="sldImg"/>
+          </p:nvPr>
+        </p:nvSpPr>
+        <p:spPr/>
+      </p:sp>
+      <p:sp>
+        <p:nvSpPr>
+          <p:cNvPr id="3" name="Notizenplatzhalter 2"/>
+          <p:cNvSpPr>
+            <a:spLocks noGrp="1"/>
+          </p:cNvSpPr>
+          <p:nvPr>
+            <p:ph type="body" idx="1"/>
+          </p:nvPr>
+        </p:nvSpPr>
+        <p:spPr/>
+        <p:txBody>
+          <a:bodyPr/>
+          <a:lstStyle/>
+          <a:p>
+            <a:pPr marL="0" marR="0" indent="0" algn="l" defTabSz="914400" rtl="0" eaLnBrk="1" fontAlgn="auto" latinLnBrk="0" hangingPunct="1">
+              <a:lnSpc>
+                <a:spcPct val="100000"/>
+              </a:lnSpc>
+              <a:spcBef>
+                <a:spcPts val="0"/>
+              </a:spcBef>
+              <a:spcAft>
+                <a:spcPts val="0"/>
+              </a:spcAft>
+              <a:buClrTx/>
+              <a:buSzTx/>
+              <a:buFontTx/>
+              <a:buNone/>
+              <a:tabLst/>
+              <a:defRPr/>
+            </a:pPr>
+            <a:r>
+              <a:rPr lang="de-CH" dirty="0" smtClean="0"/>
+              <a:t>Christina</a:t>
+            </a:r>
+          </a:p>
+          <a:p>
+            <a:endParaRPr lang="de-CH" dirty="0"/>
+          </a:p>
+        </p:txBody>
+      </p:sp>
+      <p:sp>
+        <p:nvSpPr>
+          <p:cNvPr id="4" name="Foliennummernplatzhalter 3"/>
+          <p:cNvSpPr>
+            <a:spLocks noGrp="1"/>
+          </p:cNvSpPr>
+          <p:nvPr>
+            <p:ph type="sldNum" sz="quarter" idx="10"/>
+          </p:nvPr>
+        </p:nvSpPr>
+        <p:spPr/>
+        <p:txBody>
+          <a:bodyPr/>
+          <a:lstStyle/>
+          <a:p>
+            <a:fld id="{9606ABDA-ACBF-426E-A242-59333FDAF8AF}" type="slidenum">
+              <a:rPr lang="de-CH" smtClean="0"/>
+              <a:t>16</a:t>
+            </a:fld>
+            <a:endParaRPr lang="de-CH"/>
+          </a:p>
+        </p:txBody>
+      </p:sp>
+    </p:spTree>
+    <p:extLst>
+      <p:ext uri="{BB962C8B-B14F-4D97-AF65-F5344CB8AC3E}">
+        <p14:creationId xmlns:p14="http://schemas.microsoft.com/office/powerpoint/2010/main" val="3903096657"/>
+      </p:ext>
+    </p:extLst>
+  </p:cSld>
+  <p:clrMapOvr>
+    <a:masterClrMapping/>
+  </p:clrMapOvr>
+</p:notes>
+</file>
+
+<file path=ppt/notesSlides/notesSlide17.xml><?xml version="1.0" encoding="utf-8"?>
+<p:notes xmlns:a="http://schemas.openxmlformats.org/drawingml/2006/main" xmlns:r="http://schemas.openxmlformats.org/officeDocument/2006/relationships" xmlns:p="http://schemas.openxmlformats.org/presentationml/2006/main">
+  <p:cSld>
+    <p:spTree>
+      <p:nvGrpSpPr>
+        <p:cNvPr id="1" name=""/>
+        <p:cNvGrpSpPr/>
+        <p:nvPr/>
+      </p:nvGrpSpPr>
+      <p:grpSpPr>
+        <a:xfrm>
+          <a:off x="0" y="0"/>
+          <a:ext cx="0" cy="0"/>
+          <a:chOff x="0" y="0"/>
+          <a:chExt cx="0" cy="0"/>
+        </a:xfrm>
+      </p:grpSpPr>
+      <p:sp>
+        <p:nvSpPr>
+          <p:cNvPr id="2" name="Folienbildplatzhalter 1"/>
+          <p:cNvSpPr>
+            <a:spLocks noGrp="1" noRot="1" noChangeAspect="1"/>
+          </p:cNvSpPr>
+          <p:nvPr>
+            <p:ph type="sldImg"/>
+          </p:nvPr>
+        </p:nvSpPr>
+        <p:spPr/>
+      </p:sp>
+      <p:sp>
+        <p:nvSpPr>
+          <p:cNvPr id="3" name="Notizenplatzhalter 2"/>
+          <p:cNvSpPr>
+            <a:spLocks noGrp="1"/>
+          </p:cNvSpPr>
+          <p:nvPr>
+            <p:ph type="body" idx="1"/>
+          </p:nvPr>
+        </p:nvSpPr>
+        <p:spPr/>
+        <p:txBody>
+          <a:bodyPr/>
+          <a:lstStyle/>
+          <a:p>
+            <a:pPr marL="0" marR="0" indent="0" algn="l" defTabSz="914400" rtl="0" eaLnBrk="1" fontAlgn="auto" latinLnBrk="0" hangingPunct="1">
+              <a:lnSpc>
+                <a:spcPct val="100000"/>
+              </a:lnSpc>
+              <a:spcBef>
+                <a:spcPts val="0"/>
+              </a:spcBef>
+              <a:spcAft>
+                <a:spcPts val="0"/>
+              </a:spcAft>
+              <a:buClrTx/>
+              <a:buSzTx/>
+              <a:buFontTx/>
+              <a:buNone/>
+              <a:tabLst/>
+              <a:defRPr/>
+            </a:pPr>
+            <a:r>
+              <a:rPr lang="de-CH" dirty="0" smtClean="0"/>
+              <a:t>Christina</a:t>
+            </a:r>
+          </a:p>
+          <a:p>
+            <a:endParaRPr lang="de-CH" dirty="0"/>
+          </a:p>
+        </p:txBody>
+      </p:sp>
+      <p:sp>
+        <p:nvSpPr>
+          <p:cNvPr id="4" name="Foliennummernplatzhalter 3"/>
+          <p:cNvSpPr>
+            <a:spLocks noGrp="1"/>
+          </p:cNvSpPr>
+          <p:nvPr>
+            <p:ph type="sldNum" sz="quarter" idx="10"/>
+          </p:nvPr>
+        </p:nvSpPr>
+        <p:spPr/>
+        <p:txBody>
+          <a:bodyPr/>
+          <a:lstStyle/>
+          <a:p>
+            <a:fld id="{9606ABDA-ACBF-426E-A242-59333FDAF8AF}" type="slidenum">
+              <a:rPr lang="de-CH" smtClean="0"/>
+              <a:t>17</a:t>
+            </a:fld>
+            <a:endParaRPr lang="de-CH"/>
+          </a:p>
+        </p:txBody>
+      </p:sp>
+    </p:spTree>
+    <p:extLst>
+      <p:ext uri="{BB962C8B-B14F-4D97-AF65-F5344CB8AC3E}">
+        <p14:creationId xmlns:p14="http://schemas.microsoft.com/office/powerpoint/2010/main" val="1341086045"/>
+      </p:ext>
+    </p:extLst>
+  </p:cSld>
+  <p:clrMapOvr>
+    <a:masterClrMapping/>
+  </p:clrMapOvr>
+</p:notes>
+</file>
+
+<file path=ppt/notesSlides/notesSlide18.xml><?xml version="1.0" encoding="utf-8"?>
+<p:notes xmlns:a="http://schemas.openxmlformats.org/drawingml/2006/main" xmlns:r="http://schemas.openxmlformats.org/officeDocument/2006/relationships" xmlns:p="http://schemas.openxmlformats.org/presentationml/2006/main">
+  <p:cSld>
+    <p:spTree>
+      <p:nvGrpSpPr>
+        <p:cNvPr id="1" name=""/>
+        <p:cNvGrpSpPr/>
+        <p:nvPr/>
+      </p:nvGrpSpPr>
+      <p:grpSpPr>
+        <a:xfrm>
+          <a:off x="0" y="0"/>
+          <a:ext cx="0" cy="0"/>
+          <a:chOff x="0" y="0"/>
+          <a:chExt cx="0" cy="0"/>
+        </a:xfrm>
+      </p:grpSpPr>
+      <p:sp>
+        <p:nvSpPr>
+          <p:cNvPr id="2" name="Folienbildplatzhalter 1"/>
+          <p:cNvSpPr>
+            <a:spLocks noGrp="1" noRot="1" noChangeAspect="1"/>
+          </p:cNvSpPr>
+          <p:nvPr>
+            <p:ph type="sldImg"/>
+          </p:nvPr>
+        </p:nvSpPr>
+        <p:spPr/>
+      </p:sp>
+      <p:sp>
+        <p:nvSpPr>
+          <p:cNvPr id="3" name="Notizenplatzhalter 2"/>
+          <p:cNvSpPr>
+            <a:spLocks noGrp="1"/>
+          </p:cNvSpPr>
+          <p:nvPr>
+            <p:ph type="body" idx="1"/>
+          </p:nvPr>
+        </p:nvSpPr>
+        <p:spPr/>
+        <p:txBody>
+          <a:bodyPr/>
+          <a:lstStyle/>
+          <a:p>
+            <a:pPr marL="0" marR="0" indent="0" algn="l" defTabSz="914400" rtl="0" eaLnBrk="1" fontAlgn="auto" latinLnBrk="0" hangingPunct="1">
+              <a:lnSpc>
+                <a:spcPct val="100000"/>
+              </a:lnSpc>
+              <a:spcBef>
+                <a:spcPts val="0"/>
+              </a:spcBef>
+              <a:spcAft>
+                <a:spcPts val="0"/>
+              </a:spcAft>
+              <a:buClrTx/>
+              <a:buSzTx/>
+              <a:buFontTx/>
+              <a:buNone/>
+              <a:tabLst/>
+              <a:defRPr/>
+            </a:pPr>
+            <a:r>
+              <a:rPr lang="de-CH" dirty="0" smtClean="0"/>
+              <a:t>Christina</a:t>
+            </a:r>
+          </a:p>
+        </p:txBody>
+      </p:sp>
+      <p:sp>
+        <p:nvSpPr>
+          <p:cNvPr id="4" name="Foliennummernplatzhalter 3"/>
+          <p:cNvSpPr>
+            <a:spLocks noGrp="1"/>
+          </p:cNvSpPr>
+          <p:nvPr>
+            <p:ph type="sldNum" sz="quarter" idx="10"/>
+          </p:nvPr>
+        </p:nvSpPr>
+        <p:spPr/>
+        <p:txBody>
+          <a:bodyPr/>
+          <a:lstStyle/>
+          <a:p>
+            <a:fld id="{9606ABDA-ACBF-426E-A242-59333FDAF8AF}" type="slidenum">
+              <a:rPr lang="de-CH" smtClean="0"/>
+              <a:t>18</a:t>
+            </a:fld>
+            <a:endParaRPr lang="de-CH"/>
+          </a:p>
+        </p:txBody>
+      </p:sp>
+    </p:spTree>
+    <p:extLst>
+      <p:ext uri="{BB962C8B-B14F-4D97-AF65-F5344CB8AC3E}">
+        <p14:creationId xmlns:p14="http://schemas.microsoft.com/office/powerpoint/2010/main" val="955578840"/>
+      </p:ext>
+    </p:extLst>
+  </p:cSld>
+  <p:clrMapOvr>
+    <a:masterClrMapping/>
+  </p:clrMapOvr>
+</p:notes>
+</file>
+
+<file path=ppt/notesSlides/notesSlide19.xml><?xml version="1.0" encoding="utf-8"?>
+<p:notes xmlns:a="http://schemas.openxmlformats.org/drawingml/2006/main" xmlns:r="http://schemas.openxmlformats.org/officeDocument/2006/relationships" xmlns:p="http://schemas.openxmlformats.org/presentationml/2006/main">
+  <p:cSld>
+    <p:spTree>
+      <p:nvGrpSpPr>
+        <p:cNvPr id="1" name=""/>
+        <p:cNvGrpSpPr/>
+        <p:nvPr/>
+      </p:nvGrpSpPr>
+      <p:grpSpPr>
+        <a:xfrm>
+          <a:off x="0" y="0"/>
+          <a:ext cx="0" cy="0"/>
+          <a:chOff x="0" y="0"/>
+          <a:chExt cx="0" cy="0"/>
+        </a:xfrm>
+      </p:grpSpPr>
+      <p:sp>
+        <p:nvSpPr>
+          <p:cNvPr id="2" name="Folienbildplatzhalter 1"/>
+          <p:cNvSpPr>
+            <a:spLocks noGrp="1" noRot="1" noChangeAspect="1"/>
+          </p:cNvSpPr>
+          <p:nvPr>
+            <p:ph type="sldImg"/>
+          </p:nvPr>
+        </p:nvSpPr>
+        <p:spPr/>
+      </p:sp>
+      <p:sp>
+        <p:nvSpPr>
+          <p:cNvPr id="3" name="Notizenplatzhalter 2"/>
+          <p:cNvSpPr>
+            <a:spLocks noGrp="1"/>
+          </p:cNvSpPr>
+          <p:nvPr>
+            <p:ph type="body" idx="1"/>
+          </p:nvPr>
+        </p:nvSpPr>
+        <p:spPr/>
+        <p:txBody>
+          <a:bodyPr/>
+          <a:lstStyle/>
+          <a:p>
+            <a:r>
+              <a:rPr lang="de-CH" dirty="0" smtClean="0"/>
+              <a:t>Delia</a:t>
+            </a:r>
+            <a:endParaRPr lang="de-CH" dirty="0"/>
+          </a:p>
+        </p:txBody>
+      </p:sp>
+      <p:sp>
+        <p:nvSpPr>
+          <p:cNvPr id="4" name="Foliennummernplatzhalter 3"/>
+          <p:cNvSpPr>
+            <a:spLocks noGrp="1"/>
+          </p:cNvSpPr>
+          <p:nvPr>
+            <p:ph type="sldNum" sz="quarter" idx="10"/>
+          </p:nvPr>
+        </p:nvSpPr>
+        <p:spPr/>
+        <p:txBody>
+          <a:bodyPr/>
+          <a:lstStyle/>
+          <a:p>
+            <a:fld id="{9606ABDA-ACBF-426E-A242-59333FDAF8AF}" type="slidenum">
+              <a:rPr lang="de-CH" smtClean="0"/>
+              <a:t>19</a:t>
+            </a:fld>
+            <a:endParaRPr lang="de-CH"/>
+          </a:p>
+        </p:txBody>
+      </p:sp>
+    </p:spTree>
+    <p:extLst>
+      <p:ext uri="{BB962C8B-B14F-4D97-AF65-F5344CB8AC3E}">
+        <p14:creationId xmlns:p14="http://schemas.microsoft.com/office/powerpoint/2010/main" val="785858853"/>
+      </p:ext>
+    </p:extLst>
+  </p:cSld>
+  <p:clrMapOvr>
+    <a:masterClrMapping/>
+  </p:clrMapOvr>
+</p:notes>
+</file>
+
+<file path=ppt/notesSlides/notesSlide2.xml><?xml version="1.0" encoding="utf-8"?>
+<p:notes xmlns:a="http://schemas.openxmlformats.org/drawingml/2006/main" xmlns:r="http://schemas.openxmlformats.org/officeDocument/2006/relationships" xmlns:p="http://schemas.openxmlformats.org/presentationml/2006/main">
+  <p:cSld>
+    <p:spTree>
+      <p:nvGrpSpPr>
+        <p:cNvPr id="1" name=""/>
+        <p:cNvGrpSpPr/>
+        <p:nvPr/>
+      </p:nvGrpSpPr>
+      <p:grpSpPr>
+        <a:xfrm>
+          <a:off x="0" y="0"/>
+          <a:ext cx="0" cy="0"/>
+          <a:chOff x="0" y="0"/>
+          <a:chExt cx="0" cy="0"/>
+        </a:xfrm>
+      </p:grpSpPr>
+      <p:sp>
+        <p:nvSpPr>
+          <p:cNvPr id="2" name="Folienbildplatzhalter 1"/>
+          <p:cNvSpPr>
+            <a:spLocks noGrp="1" noRot="1" noChangeAspect="1"/>
+          </p:cNvSpPr>
+          <p:nvPr>
+            <p:ph type="sldImg"/>
+          </p:nvPr>
+        </p:nvSpPr>
+        <p:spPr/>
+      </p:sp>
+      <p:sp>
+        <p:nvSpPr>
+          <p:cNvPr id="3" name="Notizenplatzhalter 2"/>
+          <p:cNvSpPr>
+            <a:spLocks noGrp="1"/>
+          </p:cNvSpPr>
+          <p:nvPr>
+            <p:ph type="body" idx="1"/>
+          </p:nvPr>
+        </p:nvSpPr>
+        <p:spPr/>
+        <p:txBody>
+          <a:bodyPr/>
+          <a:lstStyle/>
+          <a:p>
+            <a:r>
+              <a:rPr lang="de-CH" dirty="0" smtClean="0"/>
+              <a:t>Delia</a:t>
+            </a:r>
+            <a:endParaRPr lang="de-CH" dirty="0"/>
+          </a:p>
+        </p:txBody>
+      </p:sp>
+      <p:sp>
+        <p:nvSpPr>
+          <p:cNvPr id="4" name="Foliennummernplatzhalter 3"/>
+          <p:cNvSpPr>
+            <a:spLocks noGrp="1"/>
+          </p:cNvSpPr>
+          <p:nvPr>
+            <p:ph type="sldNum" sz="quarter" idx="10"/>
+          </p:nvPr>
+        </p:nvSpPr>
+        <p:spPr/>
+        <p:txBody>
+          <a:bodyPr/>
+          <a:lstStyle/>
+          <a:p>
+            <a:fld id="{9606ABDA-ACBF-426E-A242-59333FDAF8AF}" type="slidenum">
+              <a:rPr lang="de-CH" smtClean="0"/>
+              <a:t>2</a:t>
+            </a:fld>
+            <a:endParaRPr lang="de-CH"/>
+          </a:p>
+        </p:txBody>
+      </p:sp>
+    </p:spTree>
+    <p:extLst>
+      <p:ext uri="{BB962C8B-B14F-4D97-AF65-F5344CB8AC3E}">
+        <p14:creationId xmlns:p14="http://schemas.microsoft.com/office/powerpoint/2010/main" val="2330382683"/>
+      </p:ext>
+    </p:extLst>
+  </p:cSld>
+  <p:clrMapOvr>
+    <a:masterClrMapping/>
+  </p:clrMapOvr>
+</p:notes>
+</file>
+
+<file path=ppt/notesSlides/notesSlide20.xml><?xml version="1.0" encoding="utf-8"?>
+<p:notes xmlns:a="http://schemas.openxmlformats.org/drawingml/2006/main" xmlns:r="http://schemas.openxmlformats.org/officeDocument/2006/relationships" xmlns:p="http://schemas.openxmlformats.org/presentationml/2006/main">
+  <p:cSld>
+    <p:spTree>
+      <p:nvGrpSpPr>
+        <p:cNvPr id="1" name=""/>
+        <p:cNvGrpSpPr/>
+        <p:nvPr/>
+      </p:nvGrpSpPr>
+      <p:grpSpPr>
+        <a:xfrm>
+          <a:off x="0" y="0"/>
+          <a:ext cx="0" cy="0"/>
+          <a:chOff x="0" y="0"/>
+          <a:chExt cx="0" cy="0"/>
+        </a:xfrm>
+      </p:grpSpPr>
+      <p:sp>
+        <p:nvSpPr>
+          <p:cNvPr id="2" name="Folienbildplatzhalter 1"/>
+          <p:cNvSpPr>
+            <a:spLocks noGrp="1" noRot="1" noChangeAspect="1"/>
+          </p:cNvSpPr>
+          <p:nvPr>
+            <p:ph type="sldImg"/>
+          </p:nvPr>
+        </p:nvSpPr>
+        <p:spPr/>
+      </p:sp>
+      <p:sp>
+        <p:nvSpPr>
+          <p:cNvPr id="3" name="Notizenplatzhalter 2"/>
+          <p:cNvSpPr>
+            <a:spLocks noGrp="1"/>
+          </p:cNvSpPr>
+          <p:nvPr>
+            <p:ph type="body" idx="1"/>
+          </p:nvPr>
+        </p:nvSpPr>
+        <p:spPr/>
+        <p:txBody>
+          <a:bodyPr/>
+          <a:lstStyle/>
+          <a:p>
+            <a:r>
+              <a:rPr lang="de-CH" dirty="0" smtClean="0"/>
+              <a:t>Delia</a:t>
+            </a:r>
+            <a:endParaRPr lang="de-CH" dirty="0"/>
+          </a:p>
+        </p:txBody>
+      </p:sp>
+      <p:sp>
+        <p:nvSpPr>
+          <p:cNvPr id="4" name="Foliennummernplatzhalter 3"/>
+          <p:cNvSpPr>
+            <a:spLocks noGrp="1"/>
+          </p:cNvSpPr>
+          <p:nvPr>
+            <p:ph type="sldNum" sz="quarter" idx="10"/>
+          </p:nvPr>
+        </p:nvSpPr>
+        <p:spPr/>
+        <p:txBody>
+          <a:bodyPr/>
+          <a:lstStyle/>
+          <a:p>
+            <a:fld id="{9606ABDA-ACBF-426E-A242-59333FDAF8AF}" type="slidenum">
+              <a:rPr lang="de-CH" smtClean="0"/>
+              <a:t>20</a:t>
+            </a:fld>
+            <a:endParaRPr lang="de-CH"/>
+          </a:p>
+        </p:txBody>
+      </p:sp>
+    </p:spTree>
+    <p:extLst>
+      <p:ext uri="{BB962C8B-B14F-4D97-AF65-F5344CB8AC3E}">
+        <p14:creationId xmlns:p14="http://schemas.microsoft.com/office/powerpoint/2010/main" val="2249665075"/>
+      </p:ext>
+    </p:extLst>
+  </p:cSld>
+  <p:clrMapOvr>
+    <a:masterClrMapping/>
+  </p:clrMapOvr>
+</p:notes>
+</file>
+
+<file path=ppt/notesSlides/notesSlide21.xml><?xml version="1.0" encoding="utf-8"?>
+<p:notes xmlns:a="http://schemas.openxmlformats.org/drawingml/2006/main" xmlns:r="http://schemas.openxmlformats.org/officeDocument/2006/relationships" xmlns:p="http://schemas.openxmlformats.org/presentationml/2006/main">
+  <p:cSld>
+    <p:spTree>
+      <p:nvGrpSpPr>
+        <p:cNvPr id="1" name=""/>
+        <p:cNvGrpSpPr/>
+        <p:nvPr/>
+      </p:nvGrpSpPr>
+      <p:grpSpPr>
+        <a:xfrm>
+          <a:off x="0" y="0"/>
+          <a:ext cx="0" cy="0"/>
+          <a:chOff x="0" y="0"/>
+          <a:chExt cx="0" cy="0"/>
+        </a:xfrm>
+      </p:grpSpPr>
+      <p:sp>
+        <p:nvSpPr>
+          <p:cNvPr id="2" name="Folienbildplatzhalter 1"/>
+          <p:cNvSpPr>
+            <a:spLocks noGrp="1" noRot="1" noChangeAspect="1"/>
+          </p:cNvSpPr>
+          <p:nvPr>
+            <p:ph type="sldImg"/>
+          </p:nvPr>
+        </p:nvSpPr>
+        <p:spPr/>
+      </p:sp>
+      <p:sp>
+        <p:nvSpPr>
+          <p:cNvPr id="3" name="Notizenplatzhalter 2"/>
+          <p:cNvSpPr>
+            <a:spLocks noGrp="1"/>
+          </p:cNvSpPr>
+          <p:nvPr>
+            <p:ph type="body" idx="1"/>
+          </p:nvPr>
+        </p:nvSpPr>
+        <p:spPr/>
+        <p:txBody>
+          <a:bodyPr/>
+          <a:lstStyle/>
+          <a:p>
+            <a:r>
+              <a:rPr lang="de-CH" dirty="0" smtClean="0"/>
+              <a:t>Lukas</a:t>
+            </a:r>
+            <a:endParaRPr lang="de-CH" dirty="0"/>
+          </a:p>
+        </p:txBody>
+      </p:sp>
+      <p:sp>
+        <p:nvSpPr>
+          <p:cNvPr id="4" name="Foliennummernplatzhalter 3"/>
+          <p:cNvSpPr>
+            <a:spLocks noGrp="1"/>
+          </p:cNvSpPr>
+          <p:nvPr>
+            <p:ph type="sldNum" sz="quarter" idx="10"/>
+          </p:nvPr>
+        </p:nvSpPr>
+        <p:spPr/>
+        <p:txBody>
+          <a:bodyPr/>
+          <a:lstStyle/>
+          <a:p>
+            <a:fld id="{9606ABDA-ACBF-426E-A242-59333FDAF8AF}" type="slidenum">
+              <a:rPr lang="de-CH" smtClean="0"/>
+              <a:t>21</a:t>
+            </a:fld>
+            <a:endParaRPr lang="de-CH"/>
+          </a:p>
+        </p:txBody>
+      </p:sp>
+    </p:spTree>
+    <p:extLst>
+      <p:ext uri="{BB962C8B-B14F-4D97-AF65-F5344CB8AC3E}">
+        <p14:creationId xmlns:p14="http://schemas.microsoft.com/office/powerpoint/2010/main" val="4169376101"/>
+      </p:ext>
+    </p:extLst>
+  </p:cSld>
+  <p:clrMapOvr>
+    <a:masterClrMapping/>
+  </p:clrMapOvr>
+</p:notes>
+</file>
+
+<file path=ppt/notesSlides/notesSlide22.xml><?xml version="1.0" encoding="utf-8"?>
+<p:notes xmlns:a="http://schemas.openxmlformats.org/drawingml/2006/main" xmlns:r="http://schemas.openxmlformats.org/officeDocument/2006/relationships" xmlns:p="http://schemas.openxmlformats.org/presentationml/2006/main">
+  <p:cSld>
+    <p:spTree>
+      <p:nvGrpSpPr>
+        <p:cNvPr id="1" name=""/>
+        <p:cNvGrpSpPr/>
+        <p:nvPr/>
+      </p:nvGrpSpPr>
+      <p:grpSpPr>
+        <a:xfrm>
+          <a:off x="0" y="0"/>
+          <a:ext cx="0" cy="0"/>
+          <a:chOff x="0" y="0"/>
+          <a:chExt cx="0" cy="0"/>
+        </a:xfrm>
+      </p:grpSpPr>
+      <p:sp>
+        <p:nvSpPr>
+          <p:cNvPr id="2" name="Folienbildplatzhalter 1"/>
+          <p:cNvSpPr>
+            <a:spLocks noGrp="1" noRot="1" noChangeAspect="1"/>
+          </p:cNvSpPr>
+          <p:nvPr>
+            <p:ph type="sldImg"/>
+          </p:nvPr>
+        </p:nvSpPr>
+        <p:spPr/>
+      </p:sp>
+      <p:sp>
+        <p:nvSpPr>
+          <p:cNvPr id="3" name="Notizenplatzhalter 2"/>
+          <p:cNvSpPr>
+            <a:spLocks noGrp="1"/>
+          </p:cNvSpPr>
+          <p:nvPr>
+            <p:ph type="body" idx="1"/>
+          </p:nvPr>
+        </p:nvSpPr>
+        <p:spPr/>
+        <p:txBody>
+          <a:bodyPr/>
+          <a:lstStyle/>
+          <a:p>
+            <a:r>
+              <a:rPr lang="de-CH" dirty="0" smtClean="0"/>
+              <a:t>Lukas</a:t>
+            </a:r>
+            <a:endParaRPr lang="de-CH" dirty="0"/>
+          </a:p>
+        </p:txBody>
+      </p:sp>
+      <p:sp>
+        <p:nvSpPr>
+          <p:cNvPr id="4" name="Foliennummernplatzhalter 3"/>
+          <p:cNvSpPr>
+            <a:spLocks noGrp="1"/>
+          </p:cNvSpPr>
+          <p:nvPr>
+            <p:ph type="sldNum" sz="quarter" idx="10"/>
+          </p:nvPr>
+        </p:nvSpPr>
+        <p:spPr/>
+        <p:txBody>
+          <a:bodyPr/>
+          <a:lstStyle/>
+          <a:p>
+            <a:fld id="{9606ABDA-ACBF-426E-A242-59333FDAF8AF}" type="slidenum">
+              <a:rPr lang="de-CH" smtClean="0"/>
+              <a:t>22</a:t>
+            </a:fld>
+            <a:endParaRPr lang="de-CH"/>
+          </a:p>
+        </p:txBody>
+      </p:sp>
+    </p:spTree>
+    <p:extLst>
+      <p:ext uri="{BB962C8B-B14F-4D97-AF65-F5344CB8AC3E}">
+        <p14:creationId xmlns:p14="http://schemas.microsoft.com/office/powerpoint/2010/main" val="4031248810"/>
+      </p:ext>
+    </p:extLst>
+  </p:cSld>
+  <p:clrMapOvr>
+    <a:masterClrMapping/>
+  </p:clrMapOvr>
+</p:notes>
+</file>
+
+<file path=ppt/notesSlides/notesSlide23.xml><?xml version="1.0" encoding="utf-8"?>
+<p:notes xmlns:a="http://schemas.openxmlformats.org/drawingml/2006/main" xmlns:r="http://schemas.openxmlformats.org/officeDocument/2006/relationships" xmlns:p="http://schemas.openxmlformats.org/presentationml/2006/main">
+  <p:cSld>
+    <p:spTree>
+      <p:nvGrpSpPr>
+        <p:cNvPr id="1" name=""/>
+        <p:cNvGrpSpPr/>
+        <p:nvPr/>
+      </p:nvGrpSpPr>
+      <p:grpSpPr>
+        <a:xfrm>
+          <a:off x="0" y="0"/>
+          <a:ext cx="0" cy="0"/>
+          <a:chOff x="0" y="0"/>
+          <a:chExt cx="0" cy="0"/>
+        </a:xfrm>
+      </p:grpSpPr>
+      <p:sp>
+        <p:nvSpPr>
+          <p:cNvPr id="2" name="Folienbildplatzhalter 1"/>
+          <p:cNvSpPr>
+            <a:spLocks noGrp="1" noRot="1" noChangeAspect="1"/>
+          </p:cNvSpPr>
+          <p:nvPr>
+            <p:ph type="sldImg"/>
+          </p:nvPr>
+        </p:nvSpPr>
+        <p:spPr/>
+      </p:sp>
+      <p:sp>
+        <p:nvSpPr>
+          <p:cNvPr id="3" name="Notizenplatzhalter 2"/>
+          <p:cNvSpPr>
+            <a:spLocks noGrp="1"/>
+          </p:cNvSpPr>
+          <p:nvPr>
+            <p:ph type="body" idx="1"/>
+          </p:nvPr>
+        </p:nvSpPr>
+        <p:spPr/>
+        <p:txBody>
+          <a:bodyPr/>
+          <a:lstStyle/>
+          <a:p>
+            <a:r>
+              <a:rPr lang="de-CH" dirty="0" smtClean="0"/>
+              <a:t>Christina</a:t>
+            </a:r>
+            <a:endParaRPr lang="de-CH" dirty="0"/>
+          </a:p>
+        </p:txBody>
+      </p:sp>
+      <p:sp>
+        <p:nvSpPr>
+          <p:cNvPr id="4" name="Foliennummernplatzhalter 3"/>
+          <p:cNvSpPr>
+            <a:spLocks noGrp="1"/>
+          </p:cNvSpPr>
+          <p:nvPr>
+            <p:ph type="sldNum" sz="quarter" idx="10"/>
+          </p:nvPr>
+        </p:nvSpPr>
+        <p:spPr/>
+        <p:txBody>
+          <a:bodyPr/>
+          <a:lstStyle/>
+          <a:p>
+            <a:fld id="{9606ABDA-ACBF-426E-A242-59333FDAF8AF}" type="slidenum">
+              <a:rPr lang="de-CH" smtClean="0"/>
+              <a:t>23</a:t>
+            </a:fld>
+            <a:endParaRPr lang="de-CH"/>
+          </a:p>
+        </p:txBody>
+      </p:sp>
+    </p:spTree>
+    <p:extLst>
+      <p:ext uri="{BB962C8B-B14F-4D97-AF65-F5344CB8AC3E}">
+        <p14:creationId xmlns:p14="http://schemas.microsoft.com/office/powerpoint/2010/main" val="3456499535"/>
+      </p:ext>
+    </p:extLst>
+  </p:cSld>
+  <p:clrMapOvr>
+    <a:masterClrMapping/>
+  </p:clrMapOvr>
+</p:notes>
+</file>
+
+<file path=ppt/notesSlides/notesSlide24.xml><?xml version="1.0" encoding="utf-8"?>
+<p:notes xmlns:a="http://schemas.openxmlformats.org/drawingml/2006/main" xmlns:r="http://schemas.openxmlformats.org/officeDocument/2006/relationships" xmlns:p="http://schemas.openxmlformats.org/presentationml/2006/main">
+  <p:cSld>
+    <p:spTree>
+      <p:nvGrpSpPr>
+        <p:cNvPr id="1" name=""/>
+        <p:cNvGrpSpPr/>
+        <p:nvPr/>
+      </p:nvGrpSpPr>
+      <p:grpSpPr>
+        <a:xfrm>
+          <a:off x="0" y="0"/>
+          <a:ext cx="0" cy="0"/>
+          <a:chOff x="0" y="0"/>
+          <a:chExt cx="0" cy="0"/>
+        </a:xfrm>
+      </p:grpSpPr>
+      <p:sp>
+        <p:nvSpPr>
+          <p:cNvPr id="2" name="Folienbildplatzhalter 1"/>
+          <p:cNvSpPr>
+            <a:spLocks noGrp="1" noRot="1" noChangeAspect="1"/>
+          </p:cNvSpPr>
+          <p:nvPr>
+            <p:ph type="sldImg"/>
+          </p:nvPr>
+        </p:nvSpPr>
+        <p:spPr/>
+      </p:sp>
+      <p:sp>
+        <p:nvSpPr>
+          <p:cNvPr id="3" name="Notizenplatzhalter 2"/>
+          <p:cNvSpPr>
+            <a:spLocks noGrp="1"/>
+          </p:cNvSpPr>
+          <p:nvPr>
+            <p:ph type="body" idx="1"/>
+          </p:nvPr>
+        </p:nvSpPr>
+        <p:spPr/>
+        <p:txBody>
+          <a:bodyPr/>
+          <a:lstStyle/>
+          <a:p>
+            <a:r>
+              <a:rPr lang="de-CH" dirty="0" smtClean="0"/>
+              <a:t>Christina</a:t>
+            </a:r>
+            <a:endParaRPr lang="de-CH" dirty="0"/>
+          </a:p>
+        </p:txBody>
+      </p:sp>
+      <p:sp>
+        <p:nvSpPr>
+          <p:cNvPr id="4" name="Foliennummernplatzhalter 3"/>
+          <p:cNvSpPr>
+            <a:spLocks noGrp="1"/>
+          </p:cNvSpPr>
+          <p:nvPr>
+            <p:ph type="sldNum" sz="quarter" idx="10"/>
+          </p:nvPr>
+        </p:nvSpPr>
+        <p:spPr/>
+        <p:txBody>
+          <a:bodyPr/>
+          <a:lstStyle/>
+          <a:p>
+            <a:fld id="{9606ABDA-ACBF-426E-A242-59333FDAF8AF}" type="slidenum">
+              <a:rPr lang="de-CH" smtClean="0"/>
+              <a:t>24</a:t>
+            </a:fld>
+            <a:endParaRPr lang="de-CH"/>
+          </a:p>
+        </p:txBody>
+      </p:sp>
+    </p:spTree>
+    <p:extLst>
+      <p:ext uri="{BB962C8B-B14F-4D97-AF65-F5344CB8AC3E}">
+        <p14:creationId xmlns:p14="http://schemas.microsoft.com/office/powerpoint/2010/main" val="963489347"/>
+      </p:ext>
+    </p:extLst>
+  </p:cSld>
+  <p:clrMapOvr>
+    <a:masterClrMapping/>
+  </p:clrMapOvr>
+</p:notes>
+</file>
+
+<file path=ppt/notesSlides/notesSlide25.xml><?xml version="1.0" encoding="utf-8"?>
+<p:notes xmlns:a="http://schemas.openxmlformats.org/drawingml/2006/main" xmlns:r="http://schemas.openxmlformats.org/officeDocument/2006/relationships" xmlns:p="http://schemas.openxmlformats.org/presentationml/2006/main">
+  <p:cSld>
+    <p:spTree>
+      <p:nvGrpSpPr>
+        <p:cNvPr id="1" name=""/>
+        <p:cNvGrpSpPr/>
+        <p:nvPr/>
+      </p:nvGrpSpPr>
+      <p:grpSpPr>
+        <a:xfrm>
+          <a:off x="0" y="0"/>
+          <a:ext cx="0" cy="0"/>
+          <a:chOff x="0" y="0"/>
+          <a:chExt cx="0" cy="0"/>
+        </a:xfrm>
+      </p:grpSpPr>
+      <p:sp>
+        <p:nvSpPr>
+          <p:cNvPr id="2" name="Folienbildplatzhalter 1"/>
+          <p:cNvSpPr>
+            <a:spLocks noGrp="1" noRot="1" noChangeAspect="1"/>
+          </p:cNvSpPr>
+          <p:nvPr>
+            <p:ph type="sldImg"/>
+          </p:nvPr>
+        </p:nvSpPr>
+        <p:spPr/>
+      </p:sp>
+      <p:sp>
+        <p:nvSpPr>
+          <p:cNvPr id="3" name="Notizenplatzhalter 2"/>
+          <p:cNvSpPr>
+            <a:spLocks noGrp="1"/>
+          </p:cNvSpPr>
+          <p:nvPr>
+            <p:ph type="body" idx="1"/>
+          </p:nvPr>
+        </p:nvSpPr>
+        <p:spPr/>
+        <p:txBody>
+          <a:bodyPr/>
+          <a:lstStyle/>
+          <a:p>
+            <a:endParaRPr lang="de-CH" dirty="0"/>
+          </a:p>
+        </p:txBody>
+      </p:sp>
+      <p:sp>
+        <p:nvSpPr>
+          <p:cNvPr id="4" name="Foliennummernplatzhalter 3"/>
+          <p:cNvSpPr>
+            <a:spLocks noGrp="1"/>
+          </p:cNvSpPr>
+          <p:nvPr>
+            <p:ph type="sldNum" sz="quarter" idx="10"/>
+          </p:nvPr>
+        </p:nvSpPr>
+        <p:spPr/>
+        <p:txBody>
+          <a:bodyPr/>
+          <a:lstStyle/>
+          <a:p>
+            <a:fld id="{9606ABDA-ACBF-426E-A242-59333FDAF8AF}" type="slidenum">
+              <a:rPr lang="de-CH" smtClean="0"/>
+              <a:t>25</a:t>
+            </a:fld>
+            <a:endParaRPr lang="de-CH"/>
+          </a:p>
+        </p:txBody>
+      </p:sp>
+    </p:spTree>
+    <p:extLst>
+      <p:ext uri="{BB962C8B-B14F-4D97-AF65-F5344CB8AC3E}">
+        <p14:creationId xmlns:p14="http://schemas.microsoft.com/office/powerpoint/2010/main" val="3693070833"/>
+      </p:ext>
+    </p:extLst>
+  </p:cSld>
+  <p:clrMapOvr>
+    <a:masterClrMapping/>
+  </p:clrMapOvr>
+</p:notes>
+</file>
+
+<file path=ppt/notesSlides/notesSlide3.xml><?xml version="1.0" encoding="utf-8"?>
+<p:notes xmlns:a="http://schemas.openxmlformats.org/drawingml/2006/main" xmlns:r="http://schemas.openxmlformats.org/officeDocument/2006/relationships" xmlns:p="http://schemas.openxmlformats.org/presentationml/2006/main">
+  <p:cSld>
+    <p:spTree>
+      <p:nvGrpSpPr>
+        <p:cNvPr id="1" name=""/>
+        <p:cNvGrpSpPr/>
+        <p:nvPr/>
+      </p:nvGrpSpPr>
+      <p:grpSpPr>
+        <a:xfrm>
+          <a:off x="0" y="0"/>
+          <a:ext cx="0" cy="0"/>
+          <a:chOff x="0" y="0"/>
+          <a:chExt cx="0" cy="0"/>
+        </a:xfrm>
+      </p:grpSpPr>
+      <p:sp>
+        <p:nvSpPr>
+          <p:cNvPr id="2" name="Folienbildplatzhalter 1"/>
+          <p:cNvSpPr>
+            <a:spLocks noGrp="1" noRot="1" noChangeAspect="1"/>
+          </p:cNvSpPr>
+          <p:nvPr>
+            <p:ph type="sldImg"/>
+          </p:nvPr>
+        </p:nvSpPr>
+        <p:spPr/>
+      </p:sp>
+      <p:sp>
+        <p:nvSpPr>
+          <p:cNvPr id="3" name="Notizenplatzhalter 2"/>
+          <p:cNvSpPr>
+            <a:spLocks noGrp="1"/>
+          </p:cNvSpPr>
+          <p:nvPr>
+            <p:ph type="body" idx="1"/>
+          </p:nvPr>
+        </p:nvSpPr>
+        <p:spPr/>
+        <p:txBody>
+          <a:bodyPr/>
+          <a:lstStyle/>
+          <a:p>
+            <a:r>
+              <a:rPr lang="de-CH" dirty="0" smtClean="0"/>
+              <a:t>Delia</a:t>
+            </a:r>
             <a:endParaRPr lang="de-CH" dirty="0"/>
           </a:p>
         </p:txBody>
@@ -550,6 +2251,538 @@
     <p:extLst>
       <p:ext uri="{BB962C8B-B14F-4D97-AF65-F5344CB8AC3E}">
         <p14:creationId xmlns:p14="http://schemas.microsoft.com/office/powerpoint/2010/main" val="4087474981"/>
+      </p:ext>
+    </p:extLst>
+  </p:cSld>
+  <p:clrMapOvr>
+    <a:masterClrMapping/>
+  </p:clrMapOvr>
+</p:notes>
+</file>
+
+<file path=ppt/notesSlides/notesSlide4.xml><?xml version="1.0" encoding="utf-8"?>
+<p:notes xmlns:a="http://schemas.openxmlformats.org/drawingml/2006/main" xmlns:r="http://schemas.openxmlformats.org/officeDocument/2006/relationships" xmlns:p="http://schemas.openxmlformats.org/presentationml/2006/main">
+  <p:cSld>
+    <p:spTree>
+      <p:nvGrpSpPr>
+        <p:cNvPr id="1" name=""/>
+        <p:cNvGrpSpPr/>
+        <p:nvPr/>
+      </p:nvGrpSpPr>
+      <p:grpSpPr>
+        <a:xfrm>
+          <a:off x="0" y="0"/>
+          <a:ext cx="0" cy="0"/>
+          <a:chOff x="0" y="0"/>
+          <a:chExt cx="0" cy="0"/>
+        </a:xfrm>
+      </p:grpSpPr>
+      <p:sp>
+        <p:nvSpPr>
+          <p:cNvPr id="2" name="Folienbildplatzhalter 1"/>
+          <p:cNvSpPr>
+            <a:spLocks noGrp="1" noRot="1" noChangeAspect="1"/>
+          </p:cNvSpPr>
+          <p:nvPr>
+            <p:ph type="sldImg"/>
+          </p:nvPr>
+        </p:nvSpPr>
+        <p:spPr/>
+      </p:sp>
+      <p:sp>
+        <p:nvSpPr>
+          <p:cNvPr id="3" name="Notizenplatzhalter 2"/>
+          <p:cNvSpPr>
+            <a:spLocks noGrp="1"/>
+          </p:cNvSpPr>
+          <p:nvPr>
+            <p:ph type="body" idx="1"/>
+          </p:nvPr>
+        </p:nvSpPr>
+        <p:spPr/>
+        <p:txBody>
+          <a:bodyPr/>
+          <a:lstStyle/>
+          <a:p>
+            <a:r>
+              <a:rPr lang="de-CH" dirty="0" smtClean="0"/>
+              <a:t>Delia Einleitung, Rest jeder</a:t>
+            </a:r>
+            <a:r>
+              <a:rPr lang="de-CH" baseline="0" dirty="0" smtClean="0"/>
+              <a:t> selbst</a:t>
+            </a:r>
+            <a:endParaRPr lang="de-CH" dirty="0"/>
+          </a:p>
+        </p:txBody>
+      </p:sp>
+      <p:sp>
+        <p:nvSpPr>
+          <p:cNvPr id="4" name="Foliennummernplatzhalter 3"/>
+          <p:cNvSpPr>
+            <a:spLocks noGrp="1"/>
+          </p:cNvSpPr>
+          <p:nvPr>
+            <p:ph type="sldNum" sz="quarter" idx="10"/>
+          </p:nvPr>
+        </p:nvSpPr>
+        <p:spPr/>
+        <p:txBody>
+          <a:bodyPr/>
+          <a:lstStyle/>
+          <a:p>
+            <a:fld id="{9606ABDA-ACBF-426E-A242-59333FDAF8AF}" type="slidenum">
+              <a:rPr lang="de-CH" smtClean="0"/>
+              <a:t>4</a:t>
+            </a:fld>
+            <a:endParaRPr lang="de-CH"/>
+          </a:p>
+        </p:txBody>
+      </p:sp>
+    </p:spTree>
+    <p:extLst>
+      <p:ext uri="{BB962C8B-B14F-4D97-AF65-F5344CB8AC3E}">
+        <p14:creationId xmlns:p14="http://schemas.microsoft.com/office/powerpoint/2010/main" val="251109006"/>
+      </p:ext>
+    </p:extLst>
+  </p:cSld>
+  <p:clrMapOvr>
+    <a:masterClrMapping/>
+  </p:clrMapOvr>
+</p:notes>
+</file>
+
+<file path=ppt/notesSlides/notesSlide5.xml><?xml version="1.0" encoding="utf-8"?>
+<p:notes xmlns:a="http://schemas.openxmlformats.org/drawingml/2006/main" xmlns:r="http://schemas.openxmlformats.org/officeDocument/2006/relationships" xmlns:p="http://schemas.openxmlformats.org/presentationml/2006/main">
+  <p:cSld>
+    <p:spTree>
+      <p:nvGrpSpPr>
+        <p:cNvPr id="1" name=""/>
+        <p:cNvGrpSpPr/>
+        <p:nvPr/>
+      </p:nvGrpSpPr>
+      <p:grpSpPr>
+        <a:xfrm>
+          <a:off x="0" y="0"/>
+          <a:ext cx="0" cy="0"/>
+          <a:chOff x="0" y="0"/>
+          <a:chExt cx="0" cy="0"/>
+        </a:xfrm>
+      </p:grpSpPr>
+      <p:sp>
+        <p:nvSpPr>
+          <p:cNvPr id="2" name="Folienbildplatzhalter 1"/>
+          <p:cNvSpPr>
+            <a:spLocks noGrp="1" noRot="1" noChangeAspect="1"/>
+          </p:cNvSpPr>
+          <p:nvPr>
+            <p:ph type="sldImg"/>
+          </p:nvPr>
+        </p:nvSpPr>
+        <p:spPr/>
+      </p:sp>
+      <p:sp>
+        <p:nvSpPr>
+          <p:cNvPr id="3" name="Notizenplatzhalter 2"/>
+          <p:cNvSpPr>
+            <a:spLocks noGrp="1"/>
+          </p:cNvSpPr>
+          <p:nvPr>
+            <p:ph type="body" idx="1"/>
+          </p:nvPr>
+        </p:nvSpPr>
+        <p:spPr/>
+        <p:txBody>
+          <a:bodyPr/>
+          <a:lstStyle/>
+          <a:p>
+            <a:r>
+              <a:rPr lang="de-CH" dirty="0" smtClean="0"/>
+              <a:t>Delia</a:t>
+            </a:r>
+            <a:endParaRPr lang="de-CH" dirty="0"/>
+          </a:p>
+        </p:txBody>
+      </p:sp>
+      <p:sp>
+        <p:nvSpPr>
+          <p:cNvPr id="4" name="Foliennummernplatzhalter 3"/>
+          <p:cNvSpPr>
+            <a:spLocks noGrp="1"/>
+          </p:cNvSpPr>
+          <p:nvPr>
+            <p:ph type="sldNum" sz="quarter" idx="10"/>
+          </p:nvPr>
+        </p:nvSpPr>
+        <p:spPr/>
+        <p:txBody>
+          <a:bodyPr/>
+          <a:lstStyle/>
+          <a:p>
+            <a:fld id="{9606ABDA-ACBF-426E-A242-59333FDAF8AF}" type="slidenum">
+              <a:rPr lang="de-CH" smtClean="0"/>
+              <a:t>5</a:t>
+            </a:fld>
+            <a:endParaRPr lang="de-CH"/>
+          </a:p>
+        </p:txBody>
+      </p:sp>
+    </p:spTree>
+    <p:extLst>
+      <p:ext uri="{BB962C8B-B14F-4D97-AF65-F5344CB8AC3E}">
+        <p14:creationId xmlns:p14="http://schemas.microsoft.com/office/powerpoint/2010/main" val="3253923712"/>
+      </p:ext>
+    </p:extLst>
+  </p:cSld>
+  <p:clrMapOvr>
+    <a:masterClrMapping/>
+  </p:clrMapOvr>
+</p:notes>
+</file>
+
+<file path=ppt/notesSlides/notesSlide6.xml><?xml version="1.0" encoding="utf-8"?>
+<p:notes xmlns:a="http://schemas.openxmlformats.org/drawingml/2006/main" xmlns:r="http://schemas.openxmlformats.org/officeDocument/2006/relationships" xmlns:p="http://schemas.openxmlformats.org/presentationml/2006/main">
+  <p:cSld>
+    <p:spTree>
+      <p:nvGrpSpPr>
+        <p:cNvPr id="1" name=""/>
+        <p:cNvGrpSpPr/>
+        <p:nvPr/>
+      </p:nvGrpSpPr>
+      <p:grpSpPr>
+        <a:xfrm>
+          <a:off x="0" y="0"/>
+          <a:ext cx="0" cy="0"/>
+          <a:chOff x="0" y="0"/>
+          <a:chExt cx="0" cy="0"/>
+        </a:xfrm>
+      </p:grpSpPr>
+      <p:sp>
+        <p:nvSpPr>
+          <p:cNvPr id="2" name="Folienbildplatzhalter 1"/>
+          <p:cNvSpPr>
+            <a:spLocks noGrp="1" noRot="1" noChangeAspect="1"/>
+          </p:cNvSpPr>
+          <p:nvPr>
+            <p:ph type="sldImg"/>
+          </p:nvPr>
+        </p:nvSpPr>
+        <p:spPr/>
+      </p:sp>
+      <p:sp>
+        <p:nvSpPr>
+          <p:cNvPr id="3" name="Notizenplatzhalter 2"/>
+          <p:cNvSpPr>
+            <a:spLocks noGrp="1"/>
+          </p:cNvSpPr>
+          <p:nvPr>
+            <p:ph type="body" idx="1"/>
+          </p:nvPr>
+        </p:nvSpPr>
+        <p:spPr/>
+        <p:txBody>
+          <a:bodyPr/>
+          <a:lstStyle/>
+          <a:p>
+            <a:r>
+              <a:rPr lang="de-CH" dirty="0" smtClean="0"/>
+              <a:t>Lukas</a:t>
+            </a:r>
+            <a:endParaRPr lang="de-CH" dirty="0"/>
+          </a:p>
+        </p:txBody>
+      </p:sp>
+      <p:sp>
+        <p:nvSpPr>
+          <p:cNvPr id="4" name="Foliennummernplatzhalter 3"/>
+          <p:cNvSpPr>
+            <a:spLocks noGrp="1"/>
+          </p:cNvSpPr>
+          <p:nvPr>
+            <p:ph type="sldNum" sz="quarter" idx="10"/>
+          </p:nvPr>
+        </p:nvSpPr>
+        <p:spPr/>
+        <p:txBody>
+          <a:bodyPr/>
+          <a:lstStyle/>
+          <a:p>
+            <a:fld id="{9606ABDA-ACBF-426E-A242-59333FDAF8AF}" type="slidenum">
+              <a:rPr lang="de-CH" smtClean="0"/>
+              <a:t>6</a:t>
+            </a:fld>
+            <a:endParaRPr lang="de-CH"/>
+          </a:p>
+        </p:txBody>
+      </p:sp>
+    </p:spTree>
+    <p:extLst>
+      <p:ext uri="{BB962C8B-B14F-4D97-AF65-F5344CB8AC3E}">
+        <p14:creationId xmlns:p14="http://schemas.microsoft.com/office/powerpoint/2010/main" val="3753023323"/>
+      </p:ext>
+    </p:extLst>
+  </p:cSld>
+  <p:clrMapOvr>
+    <a:masterClrMapping/>
+  </p:clrMapOvr>
+</p:notes>
+</file>
+
+<file path=ppt/notesSlides/notesSlide7.xml><?xml version="1.0" encoding="utf-8"?>
+<p:notes xmlns:a="http://schemas.openxmlformats.org/drawingml/2006/main" xmlns:r="http://schemas.openxmlformats.org/officeDocument/2006/relationships" xmlns:p="http://schemas.openxmlformats.org/presentationml/2006/main">
+  <p:cSld>
+    <p:spTree>
+      <p:nvGrpSpPr>
+        <p:cNvPr id="1" name=""/>
+        <p:cNvGrpSpPr/>
+        <p:nvPr/>
+      </p:nvGrpSpPr>
+      <p:grpSpPr>
+        <a:xfrm>
+          <a:off x="0" y="0"/>
+          <a:ext cx="0" cy="0"/>
+          <a:chOff x="0" y="0"/>
+          <a:chExt cx="0" cy="0"/>
+        </a:xfrm>
+      </p:grpSpPr>
+      <p:sp>
+        <p:nvSpPr>
+          <p:cNvPr id="2" name="Folienbildplatzhalter 1"/>
+          <p:cNvSpPr>
+            <a:spLocks noGrp="1" noRot="1" noChangeAspect="1"/>
+          </p:cNvSpPr>
+          <p:nvPr>
+            <p:ph type="sldImg"/>
+          </p:nvPr>
+        </p:nvSpPr>
+        <p:spPr/>
+      </p:sp>
+      <p:sp>
+        <p:nvSpPr>
+          <p:cNvPr id="3" name="Notizenplatzhalter 2"/>
+          <p:cNvSpPr>
+            <a:spLocks noGrp="1"/>
+          </p:cNvSpPr>
+          <p:nvPr>
+            <p:ph type="body" idx="1"/>
+          </p:nvPr>
+        </p:nvSpPr>
+        <p:spPr/>
+        <p:txBody>
+          <a:bodyPr/>
+          <a:lstStyle/>
+          <a:p>
+            <a:r>
+              <a:rPr lang="de-CH" dirty="0" smtClean="0"/>
+              <a:t>Lukas</a:t>
+            </a:r>
+            <a:endParaRPr lang="de-CH" dirty="0"/>
+          </a:p>
+        </p:txBody>
+      </p:sp>
+      <p:sp>
+        <p:nvSpPr>
+          <p:cNvPr id="4" name="Foliennummernplatzhalter 3"/>
+          <p:cNvSpPr>
+            <a:spLocks noGrp="1"/>
+          </p:cNvSpPr>
+          <p:nvPr>
+            <p:ph type="sldNum" sz="quarter" idx="10"/>
+          </p:nvPr>
+        </p:nvSpPr>
+        <p:spPr/>
+        <p:txBody>
+          <a:bodyPr/>
+          <a:lstStyle/>
+          <a:p>
+            <a:fld id="{9606ABDA-ACBF-426E-A242-59333FDAF8AF}" type="slidenum">
+              <a:rPr lang="de-CH" smtClean="0"/>
+              <a:t>7</a:t>
+            </a:fld>
+            <a:endParaRPr lang="de-CH"/>
+          </a:p>
+        </p:txBody>
+      </p:sp>
+    </p:spTree>
+    <p:extLst>
+      <p:ext uri="{BB962C8B-B14F-4D97-AF65-F5344CB8AC3E}">
+        <p14:creationId xmlns:p14="http://schemas.microsoft.com/office/powerpoint/2010/main" val="3389306492"/>
+      </p:ext>
+    </p:extLst>
+  </p:cSld>
+  <p:clrMapOvr>
+    <a:masterClrMapping/>
+  </p:clrMapOvr>
+</p:notes>
+</file>
+
+<file path=ppt/notesSlides/notesSlide8.xml><?xml version="1.0" encoding="utf-8"?>
+<p:notes xmlns:a="http://schemas.openxmlformats.org/drawingml/2006/main" xmlns:r="http://schemas.openxmlformats.org/officeDocument/2006/relationships" xmlns:p="http://schemas.openxmlformats.org/presentationml/2006/main">
+  <p:cSld>
+    <p:spTree>
+      <p:nvGrpSpPr>
+        <p:cNvPr id="1" name=""/>
+        <p:cNvGrpSpPr/>
+        <p:nvPr/>
+      </p:nvGrpSpPr>
+      <p:grpSpPr>
+        <a:xfrm>
+          <a:off x="0" y="0"/>
+          <a:ext cx="0" cy="0"/>
+          <a:chOff x="0" y="0"/>
+          <a:chExt cx="0" cy="0"/>
+        </a:xfrm>
+      </p:grpSpPr>
+      <p:sp>
+        <p:nvSpPr>
+          <p:cNvPr id="2" name="Folienbildplatzhalter 1"/>
+          <p:cNvSpPr>
+            <a:spLocks noGrp="1" noRot="1" noChangeAspect="1"/>
+          </p:cNvSpPr>
+          <p:nvPr>
+            <p:ph type="sldImg"/>
+          </p:nvPr>
+        </p:nvSpPr>
+        <p:spPr/>
+      </p:sp>
+      <p:sp>
+        <p:nvSpPr>
+          <p:cNvPr id="3" name="Notizenplatzhalter 2"/>
+          <p:cNvSpPr>
+            <a:spLocks noGrp="1"/>
+          </p:cNvSpPr>
+          <p:nvPr>
+            <p:ph type="body" idx="1"/>
+          </p:nvPr>
+        </p:nvSpPr>
+        <p:spPr/>
+        <p:txBody>
+          <a:bodyPr/>
+          <a:lstStyle/>
+          <a:p>
+            <a:r>
+              <a:rPr lang="de-CH" dirty="0" smtClean="0"/>
+              <a:t>Lukas</a:t>
+            </a:r>
+            <a:endParaRPr lang="de-CH" dirty="0"/>
+          </a:p>
+        </p:txBody>
+      </p:sp>
+      <p:sp>
+        <p:nvSpPr>
+          <p:cNvPr id="4" name="Foliennummernplatzhalter 3"/>
+          <p:cNvSpPr>
+            <a:spLocks noGrp="1"/>
+          </p:cNvSpPr>
+          <p:nvPr>
+            <p:ph type="sldNum" sz="quarter" idx="10"/>
+          </p:nvPr>
+        </p:nvSpPr>
+        <p:spPr/>
+        <p:txBody>
+          <a:bodyPr/>
+          <a:lstStyle/>
+          <a:p>
+            <a:fld id="{9606ABDA-ACBF-426E-A242-59333FDAF8AF}" type="slidenum">
+              <a:rPr lang="de-CH" smtClean="0"/>
+              <a:t>8</a:t>
+            </a:fld>
+            <a:endParaRPr lang="de-CH"/>
+          </a:p>
+        </p:txBody>
+      </p:sp>
+    </p:spTree>
+    <p:extLst>
+      <p:ext uri="{BB962C8B-B14F-4D97-AF65-F5344CB8AC3E}">
+        <p14:creationId xmlns:p14="http://schemas.microsoft.com/office/powerpoint/2010/main" val="3810217020"/>
+      </p:ext>
+    </p:extLst>
+  </p:cSld>
+  <p:clrMapOvr>
+    <a:masterClrMapping/>
+  </p:clrMapOvr>
+</p:notes>
+</file>
+
+<file path=ppt/notesSlides/notesSlide9.xml><?xml version="1.0" encoding="utf-8"?>
+<p:notes xmlns:a="http://schemas.openxmlformats.org/drawingml/2006/main" xmlns:r="http://schemas.openxmlformats.org/officeDocument/2006/relationships" xmlns:p="http://schemas.openxmlformats.org/presentationml/2006/main">
+  <p:cSld>
+    <p:spTree>
+      <p:nvGrpSpPr>
+        <p:cNvPr id="1" name=""/>
+        <p:cNvGrpSpPr/>
+        <p:nvPr/>
+      </p:nvGrpSpPr>
+      <p:grpSpPr>
+        <a:xfrm>
+          <a:off x="0" y="0"/>
+          <a:ext cx="0" cy="0"/>
+          <a:chOff x="0" y="0"/>
+          <a:chExt cx="0" cy="0"/>
+        </a:xfrm>
+      </p:grpSpPr>
+      <p:sp>
+        <p:nvSpPr>
+          <p:cNvPr id="2" name="Folienbildplatzhalter 1"/>
+          <p:cNvSpPr>
+            <a:spLocks noGrp="1" noRot="1" noChangeAspect="1"/>
+          </p:cNvSpPr>
+          <p:nvPr>
+            <p:ph type="sldImg"/>
+          </p:nvPr>
+        </p:nvSpPr>
+        <p:spPr/>
+      </p:sp>
+      <p:sp>
+        <p:nvSpPr>
+          <p:cNvPr id="3" name="Notizenplatzhalter 2"/>
+          <p:cNvSpPr>
+            <a:spLocks noGrp="1"/>
+          </p:cNvSpPr>
+          <p:nvPr>
+            <p:ph type="body" idx="1"/>
+          </p:nvPr>
+        </p:nvSpPr>
+        <p:spPr/>
+        <p:txBody>
+          <a:bodyPr/>
+          <a:lstStyle/>
+          <a:p>
+            <a:r>
+              <a:rPr lang="de-CH" dirty="0" smtClean="0"/>
+              <a:t>Lukas</a:t>
+            </a:r>
+            <a:endParaRPr lang="de-CH" dirty="0"/>
+          </a:p>
+        </p:txBody>
+      </p:sp>
+      <p:sp>
+        <p:nvSpPr>
+          <p:cNvPr id="4" name="Foliennummernplatzhalter 3"/>
+          <p:cNvSpPr>
+            <a:spLocks noGrp="1"/>
+          </p:cNvSpPr>
+          <p:nvPr>
+            <p:ph type="sldNum" sz="quarter" idx="10"/>
+          </p:nvPr>
+        </p:nvSpPr>
+        <p:spPr/>
+        <p:txBody>
+          <a:bodyPr/>
+          <a:lstStyle/>
+          <a:p>
+            <a:fld id="{9606ABDA-ACBF-426E-A242-59333FDAF8AF}" type="slidenum">
+              <a:rPr lang="de-CH" smtClean="0"/>
+              <a:t>9</a:t>
+            </a:fld>
+            <a:endParaRPr lang="de-CH"/>
+          </a:p>
+        </p:txBody>
+      </p:sp>
+    </p:spTree>
+    <p:extLst>
+      <p:ext uri="{BB962C8B-B14F-4D97-AF65-F5344CB8AC3E}">
+        <p14:creationId xmlns:p14="http://schemas.microsoft.com/office/powerpoint/2010/main" val="1619827608"/>
       </p:ext>
     </p:extLst>
   </p:cSld>
@@ -5175,7 +7408,7 @@
           <p:nvPr/>
         </p:nvPicPr>
         <p:blipFill>
-          <a:blip r:embed="rId2" cstate="print">
+          <a:blip r:embed="rId3" cstate="print">
             <a:extLst>
               <a:ext uri="{28A0092B-C50C-407E-A947-70E740481C1C}">
                 <a14:useLocalDpi xmlns:a14="http://schemas.microsoft.com/office/drawing/2010/main" val="0"/>
@@ -5216,7 +7449,7 @@
           <p:nvPr/>
         </p:nvPicPr>
         <p:blipFill>
-          <a:blip r:embed="rId3" cstate="print">
+          <a:blip r:embed="rId4" cstate="print">
             <a:extLst>
               <a:ext uri="{28A0092B-C50C-407E-A947-70E740481C1C}">
                 <a14:useLocalDpi xmlns:a14="http://schemas.microsoft.com/office/drawing/2010/main" val="0"/>
@@ -5257,7 +7490,7 @@
           <p:nvPr/>
         </p:nvPicPr>
         <p:blipFill>
-          <a:blip r:embed="rId4" cstate="print">
+          <a:blip r:embed="rId5" cstate="print">
             <a:extLst>
               <a:ext uri="{28A0092B-C50C-407E-A947-70E740481C1C}">
                 <a14:useLocalDpi xmlns:a14="http://schemas.microsoft.com/office/drawing/2010/main" val="0"/>
@@ -5328,12 +7561,12 @@
       </p:grpSpPr>
       <p:sp>
         <p:nvSpPr>
-          <p:cNvPr id="2" name="Inhaltsplatzhalter 1"/>
-          <p:cNvSpPr>
-            <a:spLocks noGrp="1"/>
-          </p:cNvSpPr>
-          <p:nvPr>
-            <p:ph idx="1"/>
+          <p:cNvPr id="3" name="Titel 2"/>
+          <p:cNvSpPr>
+            <a:spLocks noGrp="1"/>
+          </p:cNvSpPr>
+          <p:nvPr>
+            <p:ph type="title"/>
           </p:nvPr>
         </p:nvSpPr>
         <p:spPr/>
@@ -5343,38 +7576,53 @@
           <a:p>
             <a:r>
               <a:rPr lang="de-CH" dirty="0" smtClean="0"/>
-              <a:t>MVVM</a:t>
+              <a:t>Realisierung: Systemübersicht</a:t>
             </a:r>
             <a:endParaRPr lang="de-CH" dirty="0"/>
           </a:p>
-          <a:p>
-            <a:endParaRPr lang="de-CH" dirty="0"/>
-          </a:p>
-        </p:txBody>
-      </p:sp>
-      <p:sp>
-        <p:nvSpPr>
-          <p:cNvPr id="3" name="Titel 2"/>
-          <p:cNvSpPr>
-            <a:spLocks noGrp="1"/>
-          </p:cNvSpPr>
-          <p:nvPr>
-            <p:ph type="title"/>
-          </p:nvPr>
-        </p:nvSpPr>
-        <p:spPr/>
-        <p:txBody>
-          <a:bodyPr/>
-          <a:lstStyle/>
-          <a:p>
-            <a:r>
-              <a:rPr lang="de-CH" dirty="0" smtClean="0"/>
-              <a:t>Realisierung: Architektur</a:t>
-            </a:r>
-            <a:endParaRPr lang="de-CH" dirty="0"/>
-          </a:p>
-        </p:txBody>
-      </p:sp>
+        </p:txBody>
+      </p:sp>
+      <p:pic>
+        <p:nvPicPr>
+          <p:cNvPr id="1026" name="Picture 2" descr="D:\_svn\flip_svn.elmermx.ch\doc\Bericht\05_Technischer_Bericht_Teil_2\06_Entwurf\systemuebersicht.png"/>
+          <p:cNvPicPr>
+            <a:picLocks noChangeAspect="1" noChangeArrowheads="1"/>
+          </p:cNvPicPr>
+          <p:nvPr/>
+        </p:nvPicPr>
+        <p:blipFill>
+          <a:blip r:embed="rId3" cstate="print">
+            <a:extLst>
+              <a:ext uri="{28A0092B-C50C-407E-A947-70E740481C1C}">
+                <a14:useLocalDpi xmlns:a14="http://schemas.microsoft.com/office/drawing/2010/main" val="0"/>
+              </a:ext>
+            </a:extLst>
+          </a:blip>
+          <a:srcRect/>
+          <a:stretch>
+            <a:fillRect/>
+          </a:stretch>
+        </p:blipFill>
+        <p:spPr bwMode="auto">
+          <a:xfrm>
+            <a:off x="1259632" y="1124744"/>
+            <a:ext cx="6313934" cy="4688650"/>
+          </a:xfrm>
+          <a:prstGeom prst="rect">
+            <a:avLst/>
+          </a:prstGeom>
+          <a:noFill/>
+          <a:extLst>
+            <a:ext uri="{909E8E84-426E-40DD-AFC4-6F175D3DCCD1}">
+              <a14:hiddenFill xmlns:a14="http://schemas.microsoft.com/office/drawing/2010/main">
+                <a:solidFill>
+                  <a:srgbClr val="FFFFFF"/>
+                </a:solidFill>
+              </a14:hiddenFill>
+            </a:ext>
+          </a:extLst>
+        </p:spPr>
+      </p:pic>
     </p:spTree>
     <p:extLst>
       <p:ext uri="{BB962C8B-B14F-4D97-AF65-F5344CB8AC3E}">
@@ -5420,7 +7668,38 @@
           <a:bodyPr/>
           <a:lstStyle/>
           <a:p>
-            <a:endParaRPr lang="de-CH"/>
+            <a:r>
+              <a:rPr lang="de-CH" dirty="0" smtClean="0"/>
+              <a:t>Interview</a:t>
+            </a:r>
+          </a:p>
+          <a:p>
+            <a:r>
+              <a:rPr lang="de-CH" dirty="0" err="1" smtClean="0"/>
+              <a:t>Personas</a:t>
+            </a:r>
+            <a:endParaRPr lang="de-CH" dirty="0"/>
+          </a:p>
+          <a:p>
+            <a:r>
+              <a:rPr lang="de-CH" dirty="0" smtClean="0"/>
+              <a:t>Szenarien</a:t>
+            </a:r>
+          </a:p>
+          <a:p>
+            <a:pPr lvl="1"/>
+            <a:r>
+              <a:rPr lang="de-CH" dirty="0" smtClean="0"/>
+              <a:t>Ist-Szenarien</a:t>
+            </a:r>
+          </a:p>
+          <a:p>
+            <a:pPr lvl="1"/>
+            <a:r>
+              <a:rPr lang="de-CH" dirty="0" smtClean="0"/>
+              <a:t>Soll-Szenarien</a:t>
+            </a:r>
+            <a:endParaRPr lang="de-CH" dirty="0"/>
           </a:p>
         </p:txBody>
       </p:sp>
@@ -5509,7 +7788,11 @@
           <a:bodyPr/>
           <a:lstStyle/>
           <a:p>
-            <a:endParaRPr lang="de-CH"/>
+            <a:r>
+              <a:rPr lang="de-CH" dirty="0" smtClean="0"/>
+              <a:t>Bilder und Kurzprofil</a:t>
+            </a:r>
+            <a:endParaRPr lang="de-CH" dirty="0"/>
           </a:p>
         </p:txBody>
       </p:sp>
@@ -5529,12 +7812,12 @@
           <a:lstStyle/>
           <a:p>
             <a:r>
-              <a:rPr lang="de-CH" dirty="0"/>
+              <a:rPr lang="de-CH" dirty="0" smtClean="0"/>
               <a:t>Realisierung: </a:t>
             </a:r>
             <a:r>
-              <a:rPr lang="de-CH" dirty="0" smtClean="0"/>
-              <a:t>Papier Prototyp</a:t>
+              <a:rPr lang="de-CH" dirty="0" err="1" smtClean="0"/>
+              <a:t>Personas</a:t>
             </a:r>
             <a:endParaRPr lang="de-CH" dirty="0"/>
           </a:p>
@@ -5543,20 +7826,13 @@
     </p:spTree>
     <p:extLst>
       <p:ext uri="{BB962C8B-B14F-4D97-AF65-F5344CB8AC3E}">
-        <p14:creationId xmlns:p14="http://schemas.microsoft.com/office/powerpoint/2010/main" val="3476746784"/>
+        <p14:creationId xmlns:p14="http://schemas.microsoft.com/office/powerpoint/2010/main" val="2067192725"/>
       </p:ext>
     </p:extLst>
   </p:cSld>
   <p:clrMapOvr>
     <a:masterClrMapping/>
   </p:clrMapOvr>
-  <p:timing>
-    <p:tnLst>
-      <p:par>
-        <p:cTn id="1" dur="indefinite" restart="never" nodeType="tmRoot"/>
-      </p:par>
-    </p:tnLst>
-  </p:timing>
 </p:sld>
 </file>
 
@@ -5594,9 +7870,21 @@
           <a:p>
             <a:r>
               <a:rPr lang="de-CH" dirty="0" smtClean="0"/>
-              <a:t>Was für Probleme sind aufgetreten?</a:t>
-            </a:r>
-            <a:endParaRPr lang="de-CH" dirty="0"/>
+              <a:t>Creative Workshop</a:t>
+            </a:r>
+          </a:p>
+          <a:p>
+            <a:pPr lvl="1"/>
+            <a:r>
+              <a:rPr lang="de-CH" dirty="0" smtClean="0"/>
+              <a:t>Innovation, Brainstorming</a:t>
+            </a:r>
+          </a:p>
+          <a:p>
+            <a:r>
+              <a:rPr lang="de-CH" dirty="0" smtClean="0"/>
+              <a:t>Verschiedene Varianten</a:t>
+            </a:r>
           </a:p>
         </p:txBody>
       </p:sp>
@@ -5623,7 +7911,7 @@
             </a:r>
             <a:r>
               <a:rPr lang="de-CH" dirty="0" smtClean="0"/>
-              <a:t>Herausforderungen</a:t>
+              <a:t>Interaktionskonzept</a:t>
             </a:r>
             <a:endParaRPr lang="de-CH" dirty="0"/>
           </a:p>
@@ -5632,7 +7920,7 @@
     </p:spTree>
     <p:extLst>
       <p:ext uri="{BB962C8B-B14F-4D97-AF65-F5344CB8AC3E}">
-        <p14:creationId xmlns:p14="http://schemas.microsoft.com/office/powerpoint/2010/main" val="2800523670"/>
+        <p14:creationId xmlns:p14="http://schemas.microsoft.com/office/powerpoint/2010/main" val="3476746784"/>
       </p:ext>
     </p:extLst>
   </p:cSld>
@@ -5666,71 +7954,57 @@
           <a:chExt cx="0" cy="0"/>
         </a:xfrm>
       </p:grpSpPr>
-      <p:sp>
-        <p:nvSpPr>
-          <p:cNvPr id="2" name="Inhaltsplatzhalter 1"/>
-          <p:cNvSpPr>
-            <a:spLocks noGrp="1"/>
-          </p:cNvSpPr>
-          <p:nvPr>
-            <p:ph idx="1"/>
-          </p:nvPr>
-        </p:nvSpPr>
-        <p:spPr/>
-        <p:txBody>
-          <a:bodyPr/>
-          <a:lstStyle/>
-          <a:p>
-            <a:endParaRPr lang="de-CH"/>
-          </a:p>
-        </p:txBody>
-      </p:sp>
-      <p:sp>
-        <p:nvSpPr>
-          <p:cNvPr id="3" name="Titel 2"/>
-          <p:cNvSpPr>
-            <a:spLocks noGrp="1"/>
-          </p:cNvSpPr>
-          <p:nvPr>
-            <p:ph type="title"/>
-          </p:nvPr>
-        </p:nvSpPr>
-        <p:spPr/>
-        <p:txBody>
-          <a:bodyPr>
-            <a:normAutofit/>
-          </a:bodyPr>
-          <a:lstStyle/>
-          <a:p>
-            <a:r>
-              <a:rPr lang="de-CH" dirty="0"/>
-              <a:t>Machbarkeitsstudie: 3D </a:t>
-            </a:r>
-            <a:r>
-              <a:rPr lang="de-CH" dirty="0" smtClean="0"/>
-              <a:t>Panel</a:t>
-            </a:r>
-            <a:endParaRPr lang="de-CH" dirty="0"/>
-          </a:p>
-        </p:txBody>
-      </p:sp>
+      <p:pic>
+        <p:nvPicPr>
+          <p:cNvPr id="3074" name="Picture 2" descr="D:\hsr\Semesterarbeit\svn\doc\Bericht\05_Technischer_Bericht_Teil_2\05_Domain Analyse\Creative Workshop\IMG_20111007_154838_edit_01.jpg"/>
+          <p:cNvPicPr>
+            <a:picLocks noChangeAspect="1" noChangeArrowheads="1"/>
+          </p:cNvPicPr>
+          <p:nvPr/>
+        </p:nvPicPr>
+        <p:blipFill>
+          <a:blip r:embed="rId3">
+            <a:extLst>
+              <a:ext uri="{28A0092B-C50C-407E-A947-70E740481C1C}">
+                <a14:useLocalDpi xmlns:a14="http://schemas.microsoft.com/office/drawing/2010/main" val="0"/>
+              </a:ext>
+            </a:extLst>
+          </a:blip>
+          <a:srcRect/>
+          <a:stretch>
+            <a:fillRect/>
+          </a:stretch>
+        </p:blipFill>
+        <p:spPr bwMode="auto">
+          <a:xfrm>
+            <a:off x="258911" y="332656"/>
+            <a:ext cx="8566013" cy="4824536"/>
+          </a:xfrm>
+          <a:prstGeom prst="rect">
+            <a:avLst/>
+          </a:prstGeom>
+          <a:noFill/>
+          <a:extLst>
+            <a:ext uri="{909E8E84-426E-40DD-AFC4-6F175D3DCCD1}">
+              <a14:hiddenFill xmlns:a14="http://schemas.microsoft.com/office/drawing/2010/main">
+                <a:solidFill>
+                  <a:srgbClr val="FFFFFF"/>
+                </a:solidFill>
+              </a14:hiddenFill>
+            </a:ext>
+          </a:extLst>
+        </p:spPr>
+      </p:pic>
     </p:spTree>
     <p:extLst>
       <p:ext uri="{BB962C8B-B14F-4D97-AF65-F5344CB8AC3E}">
-        <p14:creationId xmlns:p14="http://schemas.microsoft.com/office/powerpoint/2010/main" val="529273329"/>
+        <p14:creationId xmlns:p14="http://schemas.microsoft.com/office/powerpoint/2010/main" val="1334032171"/>
       </p:ext>
     </p:extLst>
   </p:cSld>
   <p:clrMapOvr>
     <a:masterClrMapping/>
   </p:clrMapOvr>
-  <p:timing>
-    <p:tnLst>
-      <p:par>
-        <p:cTn id="1" dur="indefinite" restart="never" nodeType="tmRoot"/>
-      </p:par>
-    </p:tnLst>
-  </p:timing>
 </p:sld>
 </file>
 
@@ -5766,7 +8040,30 @@
           <a:bodyPr/>
           <a:lstStyle/>
           <a:p>
-            <a:endParaRPr lang="de-CH"/>
+            <a:r>
+              <a:rPr lang="de-CH" dirty="0" smtClean="0"/>
+              <a:t>Creative Workshop</a:t>
+            </a:r>
+          </a:p>
+          <a:p>
+            <a:pPr lvl="1"/>
+            <a:r>
+              <a:rPr lang="de-CH" dirty="0" smtClean="0"/>
+              <a:t>Innovation, Brainstorming</a:t>
+            </a:r>
+          </a:p>
+          <a:p>
+            <a:r>
+              <a:rPr lang="de-CH" dirty="0" smtClean="0"/>
+              <a:t>Verschiedene Varianten</a:t>
+            </a:r>
+          </a:p>
+          <a:p>
+            <a:r>
+              <a:rPr lang="de-CH" dirty="0" smtClean="0"/>
+              <a:t>Papier Prototyp</a:t>
+            </a:r>
+            <a:endParaRPr lang="de-CH" dirty="0" smtClean="0"/>
           </a:p>
         </p:txBody>
       </p:sp>
@@ -5782,12 +8079,18 @@
         </p:nvSpPr>
         <p:spPr/>
         <p:txBody>
-          <a:bodyPr/>
+          <a:bodyPr>
+            <a:normAutofit fontScale="90000"/>
+          </a:bodyPr>
           <a:lstStyle/>
           <a:p>
             <a:r>
-              <a:rPr lang="de-CH" dirty="0" smtClean="0"/>
-              <a:t>Ergebnis</a:t>
+              <a:rPr lang="de-CH" dirty="0"/>
+              <a:t>Realisierung: </a:t>
+            </a:r>
+            <a:r>
+              <a:rPr lang="de-CH" dirty="0" smtClean="0"/>
+              <a:t>Interaktionskonzept</a:t>
             </a:r>
             <a:endParaRPr lang="de-CH" dirty="0"/>
           </a:p>
@@ -5796,7 +8099,7 @@
     </p:spTree>
     <p:extLst>
       <p:ext uri="{BB962C8B-B14F-4D97-AF65-F5344CB8AC3E}">
-        <p14:creationId xmlns:p14="http://schemas.microsoft.com/office/powerpoint/2010/main" val="1215823040"/>
+        <p14:creationId xmlns:p14="http://schemas.microsoft.com/office/powerpoint/2010/main" val="1288584872"/>
       </p:ext>
     </p:extLst>
   </p:cSld>
@@ -5845,37 +8148,398 @@
           <a:bodyPr/>
           <a:lstStyle/>
           <a:p>
+            <a:endParaRPr lang="de-CH" dirty="0"/>
+          </a:p>
+        </p:txBody>
+      </p:sp>
+      <p:sp>
+        <p:nvSpPr>
+          <p:cNvPr id="3" name="Titel 2"/>
+          <p:cNvSpPr>
+            <a:spLocks noGrp="1"/>
+          </p:cNvSpPr>
+          <p:nvPr>
+            <p:ph type="title"/>
+          </p:nvPr>
+        </p:nvSpPr>
+        <p:spPr/>
+        <p:txBody>
+          <a:bodyPr/>
+          <a:lstStyle/>
+          <a:p>
             <a:endParaRPr lang="de-CH"/>
           </a:p>
         </p:txBody>
       </p:sp>
-      <p:sp>
-        <p:nvSpPr>
-          <p:cNvPr id="3" name="Titel 2"/>
-          <p:cNvSpPr>
-            <a:spLocks noGrp="1"/>
-          </p:cNvSpPr>
-          <p:nvPr>
-            <p:ph type="title"/>
-          </p:nvPr>
-        </p:nvSpPr>
-        <p:spPr/>
-        <p:txBody>
-          <a:bodyPr/>
-          <a:lstStyle/>
-          <a:p>
-            <a:r>
-              <a:rPr lang="de-CH" dirty="0" smtClean="0"/>
-              <a:t>Ausblick</a:t>
-            </a:r>
-            <a:endParaRPr lang="de-CH" dirty="0"/>
-          </a:p>
-        </p:txBody>
-      </p:sp>
+      <p:pic>
+        <p:nvPicPr>
+          <p:cNvPr id="4098" name="Picture 2" descr="D:\hsr\Semesterarbeit\svn\doc\Bericht\05_Technischer_Bericht_Teil_2\05_Domain Analyse\Paper Prototype\IMG_20111014_111727_edit_01.jpg"/>
+          <p:cNvPicPr>
+            <a:picLocks noChangeAspect="1" noChangeArrowheads="1"/>
+          </p:cNvPicPr>
+          <p:nvPr/>
+        </p:nvPicPr>
+        <p:blipFill>
+          <a:blip r:embed="rId3" cstate="print">
+            <a:extLst>
+              <a:ext uri="{28A0092B-C50C-407E-A947-70E740481C1C}">
+                <a14:useLocalDpi xmlns:a14="http://schemas.microsoft.com/office/drawing/2010/main" val="0"/>
+              </a:ext>
+            </a:extLst>
+          </a:blip>
+          <a:srcRect/>
+          <a:stretch>
+            <a:fillRect/>
+          </a:stretch>
+        </p:blipFill>
+        <p:spPr bwMode="auto">
+          <a:xfrm>
+            <a:off x="274019" y="332656"/>
+            <a:ext cx="8546453" cy="4901793"/>
+          </a:xfrm>
+          <a:prstGeom prst="rect">
+            <a:avLst/>
+          </a:prstGeom>
+          <a:noFill/>
+          <a:extLst>
+            <a:ext uri="{909E8E84-426E-40DD-AFC4-6F175D3DCCD1}">
+              <a14:hiddenFill xmlns:a14="http://schemas.microsoft.com/office/drawing/2010/main">
+                <a:solidFill>
+                  <a:srgbClr val="FFFFFF"/>
+                </a:solidFill>
+              </a14:hiddenFill>
+            </a:ext>
+          </a:extLst>
+        </p:spPr>
+      </p:pic>
     </p:spTree>
     <p:extLst>
       <p:ext uri="{BB962C8B-B14F-4D97-AF65-F5344CB8AC3E}">
-        <p14:creationId xmlns:p14="http://schemas.microsoft.com/office/powerpoint/2010/main" val="4041350049"/>
+        <p14:creationId xmlns:p14="http://schemas.microsoft.com/office/powerpoint/2010/main" val="3874966033"/>
+      </p:ext>
+    </p:extLst>
+  </p:cSld>
+  <p:clrMapOvr>
+    <a:masterClrMapping/>
+  </p:clrMapOvr>
+</p:sld>
+</file>
+
+<file path=ppt/slides/slide17.xml><?xml version="1.0" encoding="utf-8"?>
+<p:sld xmlns:a="http://schemas.openxmlformats.org/drawingml/2006/main" xmlns:r="http://schemas.openxmlformats.org/officeDocument/2006/relationships" xmlns:p="http://schemas.openxmlformats.org/presentationml/2006/main">
+  <p:cSld>
+    <p:spTree>
+      <p:nvGrpSpPr>
+        <p:cNvPr id="1" name=""/>
+        <p:cNvGrpSpPr/>
+        <p:nvPr/>
+      </p:nvGrpSpPr>
+      <p:grpSpPr>
+        <a:xfrm>
+          <a:off x="0" y="0"/>
+          <a:ext cx="0" cy="0"/>
+          <a:chOff x="0" y="0"/>
+          <a:chExt cx="0" cy="0"/>
+        </a:xfrm>
+      </p:grpSpPr>
+      <p:sp>
+        <p:nvSpPr>
+          <p:cNvPr id="2" name="Inhaltsplatzhalter 1"/>
+          <p:cNvSpPr>
+            <a:spLocks noGrp="1"/>
+          </p:cNvSpPr>
+          <p:nvPr>
+            <p:ph idx="1"/>
+          </p:nvPr>
+        </p:nvSpPr>
+        <p:spPr/>
+        <p:txBody>
+          <a:bodyPr/>
+          <a:lstStyle/>
+          <a:p>
+            <a:r>
+              <a:rPr lang="de-CH" dirty="0" smtClean="0"/>
+              <a:t>Auf CI/CD der </a:t>
+            </a:r>
+            <a:r>
+              <a:rPr lang="de-CH" dirty="0" err="1" smtClean="0"/>
+              <a:t>Zühlke</a:t>
+            </a:r>
+            <a:r>
+              <a:rPr lang="de-CH" dirty="0" smtClean="0"/>
+              <a:t> abgestimmt</a:t>
+            </a:r>
+          </a:p>
+          <a:p>
+            <a:r>
+              <a:rPr lang="de-CH" dirty="0" smtClean="0"/>
+              <a:t>Abnahme durch </a:t>
+            </a:r>
+            <a:r>
+              <a:rPr lang="de-CH" dirty="0" err="1" smtClean="0"/>
+              <a:t>Zühlke</a:t>
+            </a:r>
+            <a:endParaRPr lang="de-CH" dirty="0" smtClean="0"/>
+          </a:p>
+          <a:p>
+            <a:endParaRPr lang="de-CH" dirty="0"/>
+          </a:p>
+        </p:txBody>
+      </p:sp>
+      <p:sp>
+        <p:nvSpPr>
+          <p:cNvPr id="3" name="Titel 2"/>
+          <p:cNvSpPr>
+            <a:spLocks noGrp="1"/>
+          </p:cNvSpPr>
+          <p:nvPr>
+            <p:ph type="title"/>
+          </p:nvPr>
+        </p:nvSpPr>
+        <p:spPr/>
+        <p:txBody>
+          <a:bodyPr/>
+          <a:lstStyle/>
+          <a:p>
+            <a:r>
+              <a:rPr lang="de-CH" dirty="0" smtClean="0"/>
+              <a:t>Realisierung: Externes Design</a:t>
+            </a:r>
+            <a:endParaRPr lang="de-CH" dirty="0"/>
+          </a:p>
+        </p:txBody>
+      </p:sp>
+    </p:spTree>
+    <p:extLst>
+      <p:ext uri="{BB962C8B-B14F-4D97-AF65-F5344CB8AC3E}">
+        <p14:creationId xmlns:p14="http://schemas.microsoft.com/office/powerpoint/2010/main" val="14667256"/>
+      </p:ext>
+    </p:extLst>
+  </p:cSld>
+  <p:clrMapOvr>
+    <a:masterClrMapping/>
+  </p:clrMapOvr>
+</p:sld>
+</file>
+
+<file path=ppt/slides/slide18.xml><?xml version="1.0" encoding="utf-8"?>
+<p:sld xmlns:a="http://schemas.openxmlformats.org/drawingml/2006/main" xmlns:r="http://schemas.openxmlformats.org/officeDocument/2006/relationships" xmlns:p="http://schemas.openxmlformats.org/presentationml/2006/main">
+  <p:cSld>
+    <p:spTree>
+      <p:nvGrpSpPr>
+        <p:cNvPr id="1" name=""/>
+        <p:cNvGrpSpPr/>
+        <p:nvPr/>
+      </p:nvGrpSpPr>
+      <p:grpSpPr>
+        <a:xfrm>
+          <a:off x="0" y="0"/>
+          <a:ext cx="0" cy="0"/>
+          <a:chOff x="0" y="0"/>
+          <a:chExt cx="0" cy="0"/>
+        </a:xfrm>
+      </p:grpSpPr>
+      <p:sp>
+        <p:nvSpPr>
+          <p:cNvPr id="2" name="Inhaltsplatzhalter 1"/>
+          <p:cNvSpPr>
+            <a:spLocks noGrp="1"/>
+          </p:cNvSpPr>
+          <p:nvPr>
+            <p:ph idx="1"/>
+          </p:nvPr>
+        </p:nvSpPr>
+        <p:spPr/>
+        <p:txBody>
+          <a:bodyPr/>
+          <a:lstStyle/>
+          <a:p>
+            <a:r>
+              <a:rPr lang="de-CH" dirty="0" smtClean="0"/>
+              <a:t>Bild</a:t>
+            </a:r>
+            <a:endParaRPr lang="de-CH" dirty="0"/>
+          </a:p>
+        </p:txBody>
+      </p:sp>
+    </p:spTree>
+    <p:extLst>
+      <p:ext uri="{BB962C8B-B14F-4D97-AF65-F5344CB8AC3E}">
+        <p14:creationId xmlns:p14="http://schemas.microsoft.com/office/powerpoint/2010/main" val="2105267036"/>
+      </p:ext>
+    </p:extLst>
+  </p:cSld>
+  <p:clrMapOvr>
+    <a:masterClrMapping/>
+  </p:clrMapOvr>
+</p:sld>
+</file>
+
+<file path=ppt/slides/slide19.xml><?xml version="1.0" encoding="utf-8"?>
+<p:sld xmlns:a="http://schemas.openxmlformats.org/drawingml/2006/main" xmlns:r="http://schemas.openxmlformats.org/officeDocument/2006/relationships" xmlns:p="http://schemas.openxmlformats.org/presentationml/2006/main">
+  <p:cSld>
+    <p:spTree>
+      <p:nvGrpSpPr>
+        <p:cNvPr id="1" name=""/>
+        <p:cNvGrpSpPr/>
+        <p:nvPr/>
+      </p:nvGrpSpPr>
+      <p:grpSpPr>
+        <a:xfrm>
+          <a:off x="0" y="0"/>
+          <a:ext cx="0" cy="0"/>
+          <a:chOff x="0" y="0"/>
+          <a:chExt cx="0" cy="0"/>
+        </a:xfrm>
+      </p:grpSpPr>
+      <p:sp>
+        <p:nvSpPr>
+          <p:cNvPr id="2" name="Inhaltsplatzhalter 1"/>
+          <p:cNvSpPr>
+            <a:spLocks noGrp="1"/>
+          </p:cNvSpPr>
+          <p:nvPr>
+            <p:ph idx="1"/>
+          </p:nvPr>
+        </p:nvSpPr>
+        <p:spPr/>
+        <p:txBody>
+          <a:bodyPr/>
+          <a:lstStyle/>
+          <a:p>
+            <a:r>
+              <a:rPr lang="de-CH" dirty="0" smtClean="0"/>
+              <a:t>Mehrere Iteration für Papier Prototypen</a:t>
+            </a:r>
+          </a:p>
+          <a:p>
+            <a:pPr lvl="1"/>
+            <a:r>
+              <a:rPr lang="de-CH" dirty="0" err="1" smtClean="0"/>
+              <a:t>Usability</a:t>
+            </a:r>
+            <a:endParaRPr lang="de-CH" dirty="0" smtClean="0"/>
+          </a:p>
+          <a:p>
+            <a:r>
+              <a:rPr lang="de-CH" dirty="0"/>
+              <a:t>Technische Herausforderung für </a:t>
+            </a:r>
+            <a:r>
+              <a:rPr lang="de-CH" dirty="0" smtClean="0"/>
+              <a:t>Team</a:t>
+            </a:r>
+          </a:p>
+          <a:p>
+            <a:pPr lvl="1"/>
+            <a:r>
+              <a:rPr lang="de-CH" dirty="0" smtClean="0"/>
+              <a:t>C#, .NET</a:t>
+            </a:r>
+          </a:p>
+          <a:p>
+            <a:pPr lvl="1"/>
+            <a:r>
+              <a:rPr lang="de-CH" dirty="0" smtClean="0"/>
+              <a:t>Visual Studio, Expression </a:t>
+            </a:r>
+            <a:r>
+              <a:rPr lang="de-CH" dirty="0" err="1" smtClean="0"/>
+              <a:t>Blend</a:t>
+            </a:r>
+            <a:endParaRPr lang="de-CH" dirty="0" smtClean="0"/>
+          </a:p>
+          <a:p>
+            <a:pPr lvl="1"/>
+            <a:r>
+              <a:rPr lang="de-CH" dirty="0" smtClean="0"/>
+              <a:t>WPF, MVVM, </a:t>
+            </a:r>
+            <a:r>
+              <a:rPr lang="de-CH" dirty="0" err="1" smtClean="0"/>
+              <a:t>Dependency</a:t>
+            </a:r>
+            <a:r>
+              <a:rPr lang="de-CH" dirty="0" smtClean="0"/>
+              <a:t> </a:t>
+            </a:r>
+            <a:r>
+              <a:rPr lang="de-CH" dirty="0" err="1" smtClean="0"/>
+              <a:t>Injection</a:t>
+            </a:r>
+            <a:endParaRPr lang="de-CH" dirty="0" smtClean="0"/>
+          </a:p>
+          <a:p>
+            <a:r>
+              <a:rPr lang="de-CH" dirty="0" err="1" smtClean="0"/>
+              <a:t>Usability</a:t>
+            </a:r>
+            <a:r>
+              <a:rPr lang="de-CH" dirty="0" smtClean="0"/>
+              <a:t> Test, Performance Test</a:t>
+            </a:r>
+          </a:p>
+          <a:p>
+            <a:pPr lvl="1"/>
+            <a:r>
+              <a:rPr lang="de-CH" dirty="0" err="1"/>
+              <a:t>Surface</a:t>
+            </a:r>
+            <a:r>
+              <a:rPr lang="de-CH" dirty="0"/>
+              <a:t> 2 </a:t>
+            </a:r>
+            <a:r>
+              <a:rPr lang="de-CH" dirty="0" smtClean="0"/>
+              <a:t>Verfügbarkeit</a:t>
+            </a:r>
+          </a:p>
+          <a:p>
+            <a:r>
+              <a:rPr lang="de-CH" dirty="0" smtClean="0"/>
+              <a:t>Balance der Interessen der </a:t>
+            </a:r>
+            <a:r>
+              <a:rPr lang="de-CH" dirty="0" err="1" smtClean="0"/>
+              <a:t>Stakeholders</a:t>
+            </a:r>
+            <a:endParaRPr lang="de-CH" dirty="0"/>
+          </a:p>
+        </p:txBody>
+      </p:sp>
+      <p:sp>
+        <p:nvSpPr>
+          <p:cNvPr id="3" name="Titel 2"/>
+          <p:cNvSpPr>
+            <a:spLocks noGrp="1"/>
+          </p:cNvSpPr>
+          <p:nvPr>
+            <p:ph type="title"/>
+          </p:nvPr>
+        </p:nvSpPr>
+        <p:spPr/>
+        <p:txBody>
+          <a:bodyPr>
+            <a:normAutofit fontScale="90000"/>
+          </a:bodyPr>
+          <a:lstStyle/>
+          <a:p>
+            <a:r>
+              <a:rPr lang="de-CH" dirty="0"/>
+              <a:t>Realisierung: </a:t>
+            </a:r>
+            <a:r>
+              <a:rPr lang="de-CH" dirty="0" smtClean="0"/>
+              <a:t>Herausforderungen</a:t>
+            </a:r>
+            <a:endParaRPr lang="de-CH" dirty="0"/>
+          </a:p>
+        </p:txBody>
+      </p:sp>
+    </p:spTree>
+    <p:extLst>
+      <p:ext uri="{BB962C8B-B14F-4D97-AF65-F5344CB8AC3E}">
+        <p14:creationId xmlns:p14="http://schemas.microsoft.com/office/powerpoint/2010/main" val="2800523670"/>
       </p:ext>
     </p:extLst>
   </p:cSld>
@@ -6052,6 +8716,600 @@
       </p:par>
     </p:tnLst>
   </p:timing>
+</p:sld>
+</file>
+
+<file path=ppt/slides/slide20.xml><?xml version="1.0" encoding="utf-8"?>
+<p:sld xmlns:a="http://schemas.openxmlformats.org/drawingml/2006/main" xmlns:r="http://schemas.openxmlformats.org/officeDocument/2006/relationships" xmlns:p="http://schemas.openxmlformats.org/presentationml/2006/main">
+  <p:cSld>
+    <p:spTree>
+      <p:nvGrpSpPr>
+        <p:cNvPr id="1" name=""/>
+        <p:cNvGrpSpPr/>
+        <p:nvPr/>
+      </p:nvGrpSpPr>
+      <p:grpSpPr>
+        <a:xfrm>
+          <a:off x="0" y="0"/>
+          <a:ext cx="0" cy="0"/>
+          <a:chOff x="0" y="0"/>
+          <a:chExt cx="0" cy="0"/>
+        </a:xfrm>
+      </p:grpSpPr>
+      <p:sp>
+        <p:nvSpPr>
+          <p:cNvPr id="2" name="Inhaltsplatzhalter 1"/>
+          <p:cNvSpPr>
+            <a:spLocks noGrp="1"/>
+          </p:cNvSpPr>
+          <p:nvPr>
+            <p:ph idx="1"/>
+          </p:nvPr>
+        </p:nvSpPr>
+        <p:spPr/>
+        <p:txBody>
+          <a:bodyPr/>
+          <a:lstStyle/>
+          <a:p>
+            <a:r>
+              <a:rPr lang="de-CH" dirty="0" smtClean="0"/>
+              <a:t>Bild </a:t>
+            </a:r>
+            <a:r>
+              <a:rPr lang="de-CH" dirty="0" err="1" smtClean="0"/>
+              <a:t>Surface</a:t>
+            </a:r>
+            <a:r>
+              <a:rPr lang="de-CH" dirty="0" smtClean="0"/>
+              <a:t> Knopf</a:t>
+            </a:r>
+            <a:endParaRPr lang="de-CH" dirty="0"/>
+          </a:p>
+        </p:txBody>
+      </p:sp>
+      <p:sp>
+        <p:nvSpPr>
+          <p:cNvPr id="3" name="Titel 2"/>
+          <p:cNvSpPr>
+            <a:spLocks noGrp="1"/>
+          </p:cNvSpPr>
+          <p:nvPr>
+            <p:ph type="title"/>
+          </p:nvPr>
+        </p:nvSpPr>
+        <p:spPr/>
+        <p:txBody>
+          <a:bodyPr/>
+          <a:lstStyle/>
+          <a:p>
+            <a:endParaRPr lang="de-CH"/>
+          </a:p>
+        </p:txBody>
+      </p:sp>
+    </p:spTree>
+    <p:extLst>
+      <p:ext uri="{BB962C8B-B14F-4D97-AF65-F5344CB8AC3E}">
+        <p14:creationId xmlns:p14="http://schemas.microsoft.com/office/powerpoint/2010/main" val="4061553007"/>
+      </p:ext>
+    </p:extLst>
+  </p:cSld>
+  <p:clrMapOvr>
+    <a:masterClrMapping/>
+  </p:clrMapOvr>
+</p:sld>
+</file>
+
+<file path=ppt/slides/slide21.xml><?xml version="1.0" encoding="utf-8"?>
+<p:sld xmlns:a="http://schemas.openxmlformats.org/drawingml/2006/main" xmlns:r="http://schemas.openxmlformats.org/officeDocument/2006/relationships" xmlns:p="http://schemas.openxmlformats.org/presentationml/2006/main">
+  <p:cSld>
+    <p:spTree>
+      <p:nvGrpSpPr>
+        <p:cNvPr id="1" name=""/>
+        <p:cNvGrpSpPr/>
+        <p:nvPr/>
+      </p:nvGrpSpPr>
+      <p:grpSpPr>
+        <a:xfrm>
+          <a:off x="0" y="0"/>
+          <a:ext cx="0" cy="0"/>
+          <a:chOff x="0" y="0"/>
+          <a:chExt cx="0" cy="0"/>
+        </a:xfrm>
+      </p:grpSpPr>
+      <p:sp>
+        <p:nvSpPr>
+          <p:cNvPr id="2" name="Inhaltsplatzhalter 1"/>
+          <p:cNvSpPr>
+            <a:spLocks noGrp="1"/>
+          </p:cNvSpPr>
+          <p:nvPr>
+            <p:ph idx="1"/>
+          </p:nvPr>
+        </p:nvSpPr>
+        <p:spPr/>
+        <p:txBody>
+          <a:bodyPr/>
+          <a:lstStyle/>
+          <a:p>
+            <a:r>
+              <a:rPr lang="de-CH" dirty="0" smtClean="0"/>
+              <a:t>Forschungsteil der Arbeit</a:t>
+            </a:r>
+            <a:r>
+              <a:rPr lang="de-CH" dirty="0" smtClean="0"/>
+              <a:t>, Innovation</a:t>
+            </a:r>
+          </a:p>
+          <a:p>
+            <a:r>
+              <a:rPr lang="de-CH" dirty="0" smtClean="0"/>
+              <a:t>Anzahl Projekte sofort erfassbar</a:t>
+            </a:r>
+          </a:p>
+          <a:p>
+            <a:r>
+              <a:rPr lang="de-CH" dirty="0" smtClean="0"/>
+              <a:t>Demonstration der Technologie</a:t>
+            </a:r>
+          </a:p>
+          <a:p>
+            <a:r>
+              <a:rPr lang="de-CH" dirty="0" smtClean="0"/>
+              <a:t>Mathematisch herausfordernd, Performance</a:t>
+            </a:r>
+          </a:p>
+          <a:p>
+            <a:endParaRPr lang="de-CH" dirty="0"/>
+          </a:p>
+          <a:p>
+            <a:r>
+              <a:rPr lang="de-CH" dirty="0" smtClean="0"/>
+              <a:t>Skizze hier</a:t>
+            </a:r>
+          </a:p>
+        </p:txBody>
+      </p:sp>
+      <p:sp>
+        <p:nvSpPr>
+          <p:cNvPr id="3" name="Titel 2"/>
+          <p:cNvSpPr>
+            <a:spLocks noGrp="1"/>
+          </p:cNvSpPr>
+          <p:nvPr>
+            <p:ph type="title"/>
+          </p:nvPr>
+        </p:nvSpPr>
+        <p:spPr/>
+        <p:txBody>
+          <a:bodyPr>
+            <a:normAutofit/>
+          </a:bodyPr>
+          <a:lstStyle/>
+          <a:p>
+            <a:r>
+              <a:rPr lang="de-CH" dirty="0"/>
+              <a:t>Machbarkeitsstudie: 3D </a:t>
+            </a:r>
+            <a:r>
+              <a:rPr lang="de-CH" dirty="0" smtClean="0"/>
+              <a:t>Panel</a:t>
+            </a:r>
+            <a:endParaRPr lang="de-CH" dirty="0"/>
+          </a:p>
+        </p:txBody>
+      </p:sp>
+    </p:spTree>
+    <p:extLst>
+      <p:ext uri="{BB962C8B-B14F-4D97-AF65-F5344CB8AC3E}">
+        <p14:creationId xmlns:p14="http://schemas.microsoft.com/office/powerpoint/2010/main" val="529273329"/>
+      </p:ext>
+    </p:extLst>
+  </p:cSld>
+  <p:clrMapOvr>
+    <a:masterClrMapping/>
+  </p:clrMapOvr>
+  <p:timing>
+    <p:tnLst>
+      <p:par>
+        <p:cTn id="1" dur="indefinite" restart="never" nodeType="tmRoot"/>
+      </p:par>
+    </p:tnLst>
+  </p:timing>
+</p:sld>
+</file>
+
+<file path=ppt/slides/slide22.xml><?xml version="1.0" encoding="utf-8"?>
+<p:sld xmlns:a="http://schemas.openxmlformats.org/drawingml/2006/main" xmlns:r="http://schemas.openxmlformats.org/officeDocument/2006/relationships" xmlns:p="http://schemas.openxmlformats.org/presentationml/2006/main">
+  <p:cSld>
+    <p:spTree>
+      <p:nvGrpSpPr>
+        <p:cNvPr id="1" name=""/>
+        <p:cNvGrpSpPr/>
+        <p:nvPr/>
+      </p:nvGrpSpPr>
+      <p:grpSpPr>
+        <a:xfrm>
+          <a:off x="0" y="0"/>
+          <a:ext cx="0" cy="0"/>
+          <a:chOff x="0" y="0"/>
+          <a:chExt cx="0" cy="0"/>
+        </a:xfrm>
+      </p:grpSpPr>
+      <p:sp>
+        <p:nvSpPr>
+          <p:cNvPr id="2" name="Inhaltsplatzhalter 1"/>
+          <p:cNvSpPr>
+            <a:spLocks noGrp="1"/>
+          </p:cNvSpPr>
+          <p:nvPr>
+            <p:ph idx="1"/>
+          </p:nvPr>
+        </p:nvSpPr>
+        <p:spPr/>
+        <p:txBody>
+          <a:bodyPr/>
+          <a:lstStyle/>
+          <a:p>
+            <a:r>
+              <a:rPr lang="de-CH" dirty="0" smtClean="0"/>
+              <a:t>Bild der </a:t>
+            </a:r>
+            <a:r>
+              <a:rPr lang="de-CH" dirty="0" err="1" smtClean="0"/>
+              <a:t>Perspective</a:t>
+            </a:r>
+            <a:r>
+              <a:rPr lang="de-CH" dirty="0" smtClean="0"/>
+              <a:t> Wall</a:t>
+            </a:r>
+            <a:endParaRPr lang="de-CH" dirty="0"/>
+          </a:p>
+        </p:txBody>
+      </p:sp>
+      <p:sp>
+        <p:nvSpPr>
+          <p:cNvPr id="3" name="Titel 2"/>
+          <p:cNvSpPr>
+            <a:spLocks noGrp="1"/>
+          </p:cNvSpPr>
+          <p:nvPr>
+            <p:ph type="title"/>
+          </p:nvPr>
+        </p:nvSpPr>
+        <p:spPr/>
+        <p:txBody>
+          <a:bodyPr/>
+          <a:lstStyle/>
+          <a:p>
+            <a:endParaRPr lang="de-CH"/>
+          </a:p>
+        </p:txBody>
+      </p:sp>
+    </p:spTree>
+    <p:extLst>
+      <p:ext uri="{BB962C8B-B14F-4D97-AF65-F5344CB8AC3E}">
+        <p14:creationId xmlns:p14="http://schemas.microsoft.com/office/powerpoint/2010/main" val="2022261393"/>
+      </p:ext>
+    </p:extLst>
+  </p:cSld>
+  <p:clrMapOvr>
+    <a:masterClrMapping/>
+  </p:clrMapOvr>
+</p:sld>
+</file>
+
+<file path=ppt/slides/slide23.xml><?xml version="1.0" encoding="utf-8"?>
+<p:sld xmlns:a="http://schemas.openxmlformats.org/drawingml/2006/main" xmlns:r="http://schemas.openxmlformats.org/officeDocument/2006/relationships" xmlns:p="http://schemas.openxmlformats.org/presentationml/2006/main">
+  <p:cSld>
+    <p:spTree>
+      <p:nvGrpSpPr>
+        <p:cNvPr id="1" name=""/>
+        <p:cNvGrpSpPr/>
+        <p:nvPr/>
+      </p:nvGrpSpPr>
+      <p:grpSpPr>
+        <a:xfrm>
+          <a:off x="0" y="0"/>
+          <a:ext cx="0" cy="0"/>
+          <a:chOff x="0" y="0"/>
+          <a:chExt cx="0" cy="0"/>
+        </a:xfrm>
+      </p:grpSpPr>
+      <p:sp>
+        <p:nvSpPr>
+          <p:cNvPr id="2" name="Inhaltsplatzhalter 1"/>
+          <p:cNvSpPr>
+            <a:spLocks noGrp="1"/>
+          </p:cNvSpPr>
+          <p:nvPr>
+            <p:ph idx="1"/>
+          </p:nvPr>
+        </p:nvSpPr>
+        <p:spPr/>
+        <p:txBody>
+          <a:bodyPr/>
+          <a:lstStyle/>
+          <a:p>
+            <a:r>
+              <a:rPr lang="de-CH" dirty="0" smtClean="0"/>
+              <a:t>Demo</a:t>
+            </a:r>
+            <a:endParaRPr lang="de-CH" dirty="0"/>
+          </a:p>
+        </p:txBody>
+      </p:sp>
+      <p:sp>
+        <p:nvSpPr>
+          <p:cNvPr id="3" name="Titel 2"/>
+          <p:cNvSpPr>
+            <a:spLocks noGrp="1"/>
+          </p:cNvSpPr>
+          <p:nvPr>
+            <p:ph type="title"/>
+          </p:nvPr>
+        </p:nvSpPr>
+        <p:spPr/>
+        <p:txBody>
+          <a:bodyPr/>
+          <a:lstStyle/>
+          <a:p>
+            <a:r>
+              <a:rPr lang="de-CH" dirty="0" smtClean="0"/>
+              <a:t>Ergebnis</a:t>
+            </a:r>
+            <a:endParaRPr lang="de-CH" dirty="0"/>
+          </a:p>
+        </p:txBody>
+      </p:sp>
+    </p:spTree>
+    <p:extLst>
+      <p:ext uri="{BB962C8B-B14F-4D97-AF65-F5344CB8AC3E}">
+        <p14:creationId xmlns:p14="http://schemas.microsoft.com/office/powerpoint/2010/main" val="1215823040"/>
+      </p:ext>
+    </p:extLst>
+  </p:cSld>
+  <p:clrMapOvr>
+    <a:masterClrMapping/>
+  </p:clrMapOvr>
+  <p:timing>
+    <p:tnLst>
+      <p:par>
+        <p:cTn id="1" dur="indefinite" restart="never" nodeType="tmRoot"/>
+      </p:par>
+    </p:tnLst>
+  </p:timing>
+</p:sld>
+</file>
+
+<file path=ppt/slides/slide24.xml><?xml version="1.0" encoding="utf-8"?>
+<p:sld xmlns:a="http://schemas.openxmlformats.org/drawingml/2006/main" xmlns:r="http://schemas.openxmlformats.org/officeDocument/2006/relationships" xmlns:p="http://schemas.openxmlformats.org/presentationml/2006/main">
+  <p:cSld>
+    <p:spTree>
+      <p:nvGrpSpPr>
+        <p:cNvPr id="1" name=""/>
+        <p:cNvGrpSpPr/>
+        <p:nvPr/>
+      </p:nvGrpSpPr>
+      <p:grpSpPr>
+        <a:xfrm>
+          <a:off x="0" y="0"/>
+          <a:ext cx="0" cy="0"/>
+          <a:chOff x="0" y="0"/>
+          <a:chExt cx="0" cy="0"/>
+        </a:xfrm>
+      </p:grpSpPr>
+      <p:sp>
+        <p:nvSpPr>
+          <p:cNvPr id="2" name="Inhaltsplatzhalter 1"/>
+          <p:cNvSpPr>
+            <a:spLocks noGrp="1"/>
+          </p:cNvSpPr>
+          <p:nvPr>
+            <p:ph idx="1"/>
+          </p:nvPr>
+        </p:nvSpPr>
+        <p:spPr/>
+        <p:txBody>
+          <a:bodyPr/>
+          <a:lstStyle/>
+          <a:p>
+            <a:r>
+              <a:rPr lang="de-CH" dirty="0" smtClean="0"/>
+              <a:t>Optimierung auf Hardware</a:t>
+            </a:r>
+          </a:p>
+          <a:p>
+            <a:r>
+              <a:rPr lang="de-CH" dirty="0" smtClean="0"/>
+              <a:t>Performance verbessern (virtualisiertes Panel)</a:t>
+            </a:r>
+          </a:p>
+          <a:p>
+            <a:r>
+              <a:rPr lang="de-CH" dirty="0" smtClean="0"/>
+              <a:t>Anbindung </a:t>
+            </a:r>
+            <a:r>
+              <a:rPr lang="de-CH" dirty="0" err="1" smtClean="0"/>
+              <a:t>Sharepoint</a:t>
+            </a:r>
+            <a:endParaRPr lang="de-CH" dirty="0" smtClean="0"/>
+          </a:p>
+          <a:p>
+            <a:r>
+              <a:rPr lang="de-CH" dirty="0"/>
+              <a:t>Ausbau </a:t>
+            </a:r>
+            <a:r>
+              <a:rPr lang="de-CH" dirty="0" smtClean="0"/>
+              <a:t>Funktionalität</a:t>
+            </a:r>
+            <a:endParaRPr lang="de-CH" dirty="0"/>
+          </a:p>
+          <a:p>
+            <a:pPr lvl="1"/>
+            <a:r>
+              <a:rPr lang="de-CH" dirty="0" smtClean="0"/>
+              <a:t>Versenden von Project Notes</a:t>
+            </a:r>
+          </a:p>
+          <a:p>
+            <a:pPr lvl="1"/>
+            <a:r>
+              <a:rPr lang="de-CH" dirty="0" smtClean="0"/>
+              <a:t>Interaktion mit Gerät (Objekt Erkennung)</a:t>
+            </a:r>
+          </a:p>
+          <a:p>
+            <a:pPr lvl="1"/>
+            <a:r>
+              <a:rPr lang="de-CH" dirty="0" smtClean="0"/>
+              <a:t>Volltextsuche</a:t>
+            </a:r>
+          </a:p>
+          <a:p>
+            <a:pPr lvl="1"/>
+            <a:r>
+              <a:rPr lang="de-CH" dirty="0" smtClean="0"/>
+              <a:t>Demomodus (Bildschirmschoner)</a:t>
+            </a:r>
+          </a:p>
+          <a:p>
+            <a:pPr lvl="1"/>
+            <a:r>
+              <a:rPr lang="de-CH" dirty="0" err="1" smtClean="0"/>
+              <a:t>Multitouch</a:t>
+            </a:r>
+            <a:r>
+              <a:rPr lang="de-CH" dirty="0" smtClean="0"/>
+              <a:t>-Gesten</a:t>
+            </a:r>
+          </a:p>
+          <a:p>
+            <a:pPr lvl="1"/>
+            <a:r>
+              <a:rPr lang="de-CH" dirty="0" smtClean="0"/>
+              <a:t>...</a:t>
+            </a:r>
+          </a:p>
+        </p:txBody>
+      </p:sp>
+      <p:sp>
+        <p:nvSpPr>
+          <p:cNvPr id="3" name="Titel 2"/>
+          <p:cNvSpPr>
+            <a:spLocks noGrp="1"/>
+          </p:cNvSpPr>
+          <p:nvPr>
+            <p:ph type="title"/>
+          </p:nvPr>
+        </p:nvSpPr>
+        <p:spPr/>
+        <p:txBody>
+          <a:bodyPr/>
+          <a:lstStyle/>
+          <a:p>
+            <a:r>
+              <a:rPr lang="de-CH" dirty="0" smtClean="0"/>
+              <a:t>Ausblick</a:t>
+            </a:r>
+            <a:endParaRPr lang="de-CH" dirty="0"/>
+          </a:p>
+        </p:txBody>
+      </p:sp>
+    </p:spTree>
+    <p:extLst>
+      <p:ext uri="{BB962C8B-B14F-4D97-AF65-F5344CB8AC3E}">
+        <p14:creationId xmlns:p14="http://schemas.microsoft.com/office/powerpoint/2010/main" val="4041350049"/>
+      </p:ext>
+    </p:extLst>
+  </p:cSld>
+  <p:clrMapOvr>
+    <a:masterClrMapping/>
+  </p:clrMapOvr>
+  <p:timing>
+    <p:tnLst>
+      <p:par>
+        <p:cTn id="1" dur="indefinite" restart="never" nodeType="tmRoot"/>
+      </p:par>
+    </p:tnLst>
+  </p:timing>
+</p:sld>
+</file>
+
+<file path=ppt/slides/slide25.xml><?xml version="1.0" encoding="utf-8"?>
+<p:sld xmlns:a="http://schemas.openxmlformats.org/drawingml/2006/main" xmlns:r="http://schemas.openxmlformats.org/officeDocument/2006/relationships" xmlns:p="http://schemas.openxmlformats.org/presentationml/2006/main">
+  <p:cSld>
+    <p:spTree>
+      <p:nvGrpSpPr>
+        <p:cNvPr id="1" name=""/>
+        <p:cNvGrpSpPr/>
+        <p:nvPr/>
+      </p:nvGrpSpPr>
+      <p:grpSpPr>
+        <a:xfrm>
+          <a:off x="0" y="0"/>
+          <a:ext cx="0" cy="0"/>
+          <a:chOff x="0" y="0"/>
+          <a:chExt cx="0" cy="0"/>
+        </a:xfrm>
+      </p:grpSpPr>
+      <p:sp>
+        <p:nvSpPr>
+          <p:cNvPr id="2" name="Inhaltsplatzhalter 1"/>
+          <p:cNvSpPr>
+            <a:spLocks noGrp="1"/>
+          </p:cNvSpPr>
+          <p:nvPr>
+            <p:ph idx="1"/>
+          </p:nvPr>
+        </p:nvSpPr>
+        <p:spPr/>
+        <p:txBody>
+          <a:bodyPr/>
+          <a:lstStyle/>
+          <a:p>
+            <a:r>
+              <a:rPr lang="de-CH" dirty="0" smtClean="0"/>
+              <a:t>App oder </a:t>
+            </a:r>
+            <a:r>
+              <a:rPr lang="de-CH" dirty="0" err="1" smtClean="0"/>
+              <a:t>Surface</a:t>
+            </a:r>
+            <a:endParaRPr lang="de-CH" dirty="0"/>
+          </a:p>
+        </p:txBody>
+      </p:sp>
+      <p:sp>
+        <p:nvSpPr>
+          <p:cNvPr id="3" name="Titel 2"/>
+          <p:cNvSpPr>
+            <a:spLocks noGrp="1"/>
+          </p:cNvSpPr>
+          <p:nvPr>
+            <p:ph type="title"/>
+          </p:nvPr>
+        </p:nvSpPr>
+        <p:spPr/>
+        <p:txBody>
+          <a:bodyPr/>
+          <a:lstStyle/>
+          <a:p>
+            <a:endParaRPr lang="de-CH"/>
+          </a:p>
+        </p:txBody>
+      </p:sp>
+    </p:spTree>
+    <p:extLst>
+      <p:ext uri="{BB962C8B-B14F-4D97-AF65-F5344CB8AC3E}">
+        <p14:creationId xmlns:p14="http://schemas.microsoft.com/office/powerpoint/2010/main" val="2932621384"/>
+      </p:ext>
+    </p:extLst>
+  </p:cSld>
+  <p:clrMapOvr>
+    <a:masterClrMapping/>
+  </p:clrMapOvr>
 </p:sld>
 </file>
 
@@ -7062,7 +10320,7 @@
           <p:nvPr/>
         </p:nvPicPr>
         <p:blipFill>
-          <a:blip r:embed="rId2">
+          <a:blip r:embed="rId3">
             <a:extLst>
               <a:ext uri="{28A0092B-C50C-407E-A947-70E740481C1C}">
                 <a14:useLocalDpi xmlns:a14="http://schemas.microsoft.com/office/drawing/2010/main" val="0"/>
@@ -7140,7 +10398,7 @@
           <p:nvPr/>
         </p:nvPicPr>
         <p:blipFill>
-          <a:blip r:embed="rId2" cstate="print">
+          <a:blip r:embed="rId3" cstate="print">
             <a:extLst>
               <a:ext uri="{28A0092B-C50C-407E-A947-70E740481C1C}">
                 <a14:useLocalDpi xmlns:a14="http://schemas.microsoft.com/office/drawing/2010/main" val="0"/>
